--- a/프레젠테이션1.pptx
+++ b/프레젠테이션1.pptx
@@ -6,11 +6,12 @@
   </p:sldMasterIdLst>
   <p:sldIdLst>
     <p:sldId id="256" r:id="rId2"/>
-    <p:sldId id="257" r:id="rId3"/>
-    <p:sldId id="258" r:id="rId4"/>
-    <p:sldId id="259" r:id="rId5"/>
-    <p:sldId id="260" r:id="rId6"/>
-    <p:sldId id="261" r:id="rId7"/>
+    <p:sldId id="262" r:id="rId3"/>
+    <p:sldId id="257" r:id="rId4"/>
+    <p:sldId id="258" r:id="rId5"/>
+    <p:sldId id="259" r:id="rId6"/>
+    <p:sldId id="260" r:id="rId7"/>
+    <p:sldId id="261" r:id="rId8"/>
   </p:sldIdLst>
   <p:sldSz cx="12192000" cy="6858000"/>
   <p:notesSz cx="6858000" cy="9144000"/>
@@ -109,6 +110,11 @@
       </a:defRPr>
     </a:lvl9pPr>
   </p:defaultTextStyle>
+  <p:extLst>
+    <p:ext uri="{EFAFB233-063F-42B5-8137-9DF3F51BA10A}">
+      <p15:sldGuideLst xmlns:p15="http://schemas.microsoft.com/office/powerpoint/2012/main"/>
+    </p:ext>
+  </p:extLst>
 </p:presentation>
 </file>
 
@@ -243,7 +249,7 @@
           <a:p>
             <a:fld id="{28370C79-5AF1-4596-8A0C-AAB765CDD7B1}" type="datetimeFigureOut">
               <a:rPr lang="ko-KR" altLang="en-US" smtClean="0"/>
-              <a:t>2022-10-06</a:t>
+              <a:t>2022-10-07</a:t>
             </a:fld>
             <a:endParaRPr lang="ko-KR" altLang="en-US"/>
           </a:p>
@@ -413,7 +419,7 @@
           <a:p>
             <a:fld id="{28370C79-5AF1-4596-8A0C-AAB765CDD7B1}" type="datetimeFigureOut">
               <a:rPr lang="ko-KR" altLang="en-US" smtClean="0"/>
-              <a:t>2022-10-06</a:t>
+              <a:t>2022-10-07</a:t>
             </a:fld>
             <a:endParaRPr lang="ko-KR" altLang="en-US"/>
           </a:p>
@@ -593,7 +599,7 @@
           <a:p>
             <a:fld id="{28370C79-5AF1-4596-8A0C-AAB765CDD7B1}" type="datetimeFigureOut">
               <a:rPr lang="ko-KR" altLang="en-US" smtClean="0"/>
-              <a:t>2022-10-06</a:t>
+              <a:t>2022-10-07</a:t>
             </a:fld>
             <a:endParaRPr lang="ko-KR" altLang="en-US"/>
           </a:p>
@@ -763,7 +769,7 @@
           <a:p>
             <a:fld id="{28370C79-5AF1-4596-8A0C-AAB765CDD7B1}" type="datetimeFigureOut">
               <a:rPr lang="ko-KR" altLang="en-US" smtClean="0"/>
-              <a:t>2022-10-06</a:t>
+              <a:t>2022-10-07</a:t>
             </a:fld>
             <a:endParaRPr lang="ko-KR" altLang="en-US"/>
           </a:p>
@@ -1009,7 +1015,7 @@
           <a:p>
             <a:fld id="{28370C79-5AF1-4596-8A0C-AAB765CDD7B1}" type="datetimeFigureOut">
               <a:rPr lang="ko-KR" altLang="en-US" smtClean="0"/>
-              <a:t>2022-10-06</a:t>
+              <a:t>2022-10-07</a:t>
             </a:fld>
             <a:endParaRPr lang="ko-KR" altLang="en-US"/>
           </a:p>
@@ -1241,7 +1247,7 @@
           <a:p>
             <a:fld id="{28370C79-5AF1-4596-8A0C-AAB765CDD7B1}" type="datetimeFigureOut">
               <a:rPr lang="ko-KR" altLang="en-US" smtClean="0"/>
-              <a:t>2022-10-06</a:t>
+              <a:t>2022-10-07</a:t>
             </a:fld>
             <a:endParaRPr lang="ko-KR" altLang="en-US"/>
           </a:p>
@@ -1608,7 +1614,7 @@
           <a:p>
             <a:fld id="{28370C79-5AF1-4596-8A0C-AAB765CDD7B1}" type="datetimeFigureOut">
               <a:rPr lang="ko-KR" altLang="en-US" smtClean="0"/>
-              <a:t>2022-10-06</a:t>
+              <a:t>2022-10-07</a:t>
             </a:fld>
             <a:endParaRPr lang="ko-KR" altLang="en-US"/>
           </a:p>
@@ -1726,7 +1732,7 @@
           <a:p>
             <a:fld id="{28370C79-5AF1-4596-8A0C-AAB765CDD7B1}" type="datetimeFigureOut">
               <a:rPr lang="ko-KR" altLang="en-US" smtClean="0"/>
-              <a:t>2022-10-06</a:t>
+              <a:t>2022-10-07</a:t>
             </a:fld>
             <a:endParaRPr lang="ko-KR" altLang="en-US"/>
           </a:p>
@@ -1821,7 +1827,7 @@
           <a:p>
             <a:fld id="{28370C79-5AF1-4596-8A0C-AAB765CDD7B1}" type="datetimeFigureOut">
               <a:rPr lang="ko-KR" altLang="en-US" smtClean="0"/>
-              <a:t>2022-10-06</a:t>
+              <a:t>2022-10-07</a:t>
             </a:fld>
             <a:endParaRPr lang="ko-KR" altLang="en-US"/>
           </a:p>
@@ -2098,7 +2104,7 @@
           <a:p>
             <a:fld id="{28370C79-5AF1-4596-8A0C-AAB765CDD7B1}" type="datetimeFigureOut">
               <a:rPr lang="ko-KR" altLang="en-US" smtClean="0"/>
-              <a:t>2022-10-06</a:t>
+              <a:t>2022-10-07</a:t>
             </a:fld>
             <a:endParaRPr lang="ko-KR" altLang="en-US"/>
           </a:p>
@@ -2351,7 +2357,7 @@
           <a:p>
             <a:fld id="{28370C79-5AF1-4596-8A0C-AAB765CDD7B1}" type="datetimeFigureOut">
               <a:rPr lang="ko-KR" altLang="en-US" smtClean="0"/>
-              <a:t>2022-10-06</a:t>
+              <a:t>2022-10-07</a:t>
             </a:fld>
             <a:endParaRPr lang="ko-KR" altLang="en-US"/>
           </a:p>
@@ -2564,7 +2570,7 @@
           <a:p>
             <a:fld id="{28370C79-5AF1-4596-8A0C-AAB765CDD7B1}" type="datetimeFigureOut">
               <a:rPr lang="ko-KR" altLang="en-US" smtClean="0"/>
-              <a:t>2022-10-06</a:t>
+              <a:t>2022-10-07</a:t>
             </a:fld>
             <a:endParaRPr lang="ko-KR" altLang="en-US"/>
           </a:p>
@@ -3671,14 +3677,14 @@
       </p:grpSpPr>
       <p:sp>
         <p:nvSpPr>
-          <p:cNvPr id="5" name="모서리가 둥근 직사각형 4"/>
+          <p:cNvPr id="4" name="모서리가 둥근 직사각형 3"/>
           <p:cNvSpPr/>
           <p:nvPr/>
         </p:nvSpPr>
         <p:spPr>
           <a:xfrm>
-            <a:off x="534389" y="1068780"/>
-            <a:ext cx="2185060" cy="1959429"/>
+            <a:off x="1553292" y="1162198"/>
+            <a:ext cx="2339437" cy="522515"/>
           </a:xfrm>
           <a:prstGeom prst="roundRect">
             <a:avLst/>
@@ -3711,14 +3717,14 @@
       </p:sp>
       <p:sp>
         <p:nvSpPr>
-          <p:cNvPr id="6" name="TextBox 5"/>
+          <p:cNvPr id="5" name="TextBox 4"/>
           <p:cNvSpPr txBox="1"/>
           <p:nvPr/>
         </p:nvSpPr>
         <p:spPr>
           <a:xfrm>
-            <a:off x="5542215" y="361601"/>
-            <a:ext cx="1021278" cy="369332"/>
+            <a:off x="1553293" y="1238789"/>
+            <a:ext cx="1092530" cy="369332"/>
           </a:xfrm>
           <a:prstGeom prst="rect">
             <a:avLst/>
@@ -3733,35 +3739,71 @@
           <a:p>
             <a:pPr algn="ctr"/>
             <a:r>
-              <a:rPr lang="ko-KR" altLang="en-US" dirty="0" smtClean="0"/>
-              <a:t>총</a:t>
-            </a:r>
-            <a:r>
-              <a:rPr lang="en-US" altLang="ko-KR" dirty="0"/>
-              <a:t> </a:t>
-            </a:r>
-            <a:r>
               <a:rPr lang="en-US" altLang="ko-KR" dirty="0" smtClean="0"/>
-              <a:t>n</a:t>
-            </a:r>
-            <a:r>
-              <a:rPr lang="ko-KR" altLang="en-US" dirty="0" smtClean="0"/>
-              <a:t>개</a:t>
+              <a:t>Check-in</a:t>
             </a:r>
             <a:endParaRPr lang="ko-KR" altLang="en-US" dirty="0"/>
           </a:p>
         </p:txBody>
       </p:sp>
-      <p:sp>
-        <p:nvSpPr>
-          <p:cNvPr id="7" name="모서리가 둥근 직사각형 6"/>
+      <p:pic>
+        <p:nvPicPr>
+          <p:cNvPr id="7" name="그림 6"/>
+          <p:cNvPicPr>
+            <a:picLocks noChangeAspect="1"/>
+          </p:cNvPicPr>
+          <p:nvPr/>
+        </p:nvPicPr>
+        <p:blipFill>
+          <a:blip r:embed="rId2"/>
+          <a:stretch>
+            <a:fillRect/>
+          </a:stretch>
+        </p:blipFill>
+        <p:spPr>
+          <a:xfrm>
+            <a:off x="1553292" y="1684712"/>
+            <a:ext cx="3429479" cy="3248478"/>
+          </a:xfrm>
+          <a:prstGeom prst="rect">
+            <a:avLst/>
+          </a:prstGeom>
+        </p:spPr>
+      </p:pic>
+      <p:pic>
+        <p:nvPicPr>
+          <p:cNvPr id="8" name="그림 7"/>
+          <p:cNvPicPr>
+            <a:picLocks noChangeAspect="1"/>
+          </p:cNvPicPr>
+          <p:nvPr/>
+        </p:nvPicPr>
+        <p:blipFill>
+          <a:blip r:embed="rId3"/>
+          <a:stretch>
+            <a:fillRect/>
+          </a:stretch>
+        </p:blipFill>
+        <p:spPr>
+          <a:xfrm>
+            <a:off x="6741745" y="1684712"/>
+            <a:ext cx="3439005" cy="3258005"/>
+          </a:xfrm>
+          <a:prstGeom prst="rect">
+            <a:avLst/>
+          </a:prstGeom>
+        </p:spPr>
+      </p:pic>
+      <p:sp>
+        <p:nvSpPr>
+          <p:cNvPr id="9" name="모서리가 둥근 직사각형 8"/>
           <p:cNvSpPr/>
           <p:nvPr/>
         </p:nvSpPr>
         <p:spPr>
           <a:xfrm>
-            <a:off x="3485407" y="1068780"/>
-            <a:ext cx="2185060" cy="1959429"/>
+            <a:off x="6741745" y="1162198"/>
+            <a:ext cx="2339437" cy="522515"/>
           </a:xfrm>
           <a:prstGeom prst="roundRect">
             <a:avLst/>
@@ -3794,254 +3836,14 @@
       </p:sp>
       <p:sp>
         <p:nvSpPr>
-          <p:cNvPr id="8" name="모서리가 둥근 직사각형 7"/>
-          <p:cNvSpPr/>
-          <p:nvPr/>
-        </p:nvSpPr>
-        <p:spPr>
-          <a:xfrm>
-            <a:off x="6436426" y="1068780"/>
-            <a:ext cx="2185060" cy="1959429"/>
-          </a:xfrm>
-          <a:prstGeom prst="roundRect">
-            <a:avLst/>
-          </a:prstGeom>
-        </p:spPr>
-        <p:style>
-          <a:lnRef idx="2">
-            <a:schemeClr val="accent1">
-              <a:shade val="50000"/>
-            </a:schemeClr>
-          </a:lnRef>
-          <a:fillRef idx="1">
-            <a:schemeClr val="accent1"/>
-          </a:fillRef>
-          <a:effectRef idx="0">
-            <a:schemeClr val="accent1"/>
-          </a:effectRef>
-          <a:fontRef idx="minor">
-            <a:schemeClr val="lt1"/>
-          </a:fontRef>
-        </p:style>
-        <p:txBody>
-          <a:bodyPr rtlCol="0" anchor="ctr"/>
-          <a:lstStyle/>
-          <a:p>
-            <a:pPr algn="ctr"/>
-            <a:endParaRPr lang="ko-KR" altLang="en-US"/>
-          </a:p>
-        </p:txBody>
-      </p:sp>
-      <p:sp>
-        <p:nvSpPr>
-          <p:cNvPr id="9" name="모서리가 둥근 직사각형 8"/>
-          <p:cNvSpPr/>
-          <p:nvPr/>
-        </p:nvSpPr>
-        <p:spPr>
-          <a:xfrm>
-            <a:off x="9387445" y="1068780"/>
-            <a:ext cx="2185060" cy="1959429"/>
-          </a:xfrm>
-          <a:prstGeom prst="roundRect">
-            <a:avLst/>
-          </a:prstGeom>
-        </p:spPr>
-        <p:style>
-          <a:lnRef idx="2">
-            <a:schemeClr val="accent1">
-              <a:shade val="50000"/>
-            </a:schemeClr>
-          </a:lnRef>
-          <a:fillRef idx="1">
-            <a:schemeClr val="accent1"/>
-          </a:fillRef>
-          <a:effectRef idx="0">
-            <a:schemeClr val="accent1"/>
-          </a:effectRef>
-          <a:fontRef idx="minor">
-            <a:schemeClr val="lt1"/>
-          </a:fontRef>
-        </p:style>
-        <p:txBody>
-          <a:bodyPr rtlCol="0" anchor="ctr"/>
-          <a:lstStyle/>
-          <a:p>
-            <a:pPr algn="ctr"/>
-            <a:endParaRPr lang="ko-KR" altLang="en-US"/>
-          </a:p>
-        </p:txBody>
-      </p:sp>
-      <p:sp>
-        <p:nvSpPr>
-          <p:cNvPr id="10" name="모서리가 둥근 직사각형 9"/>
-          <p:cNvSpPr/>
-          <p:nvPr/>
-        </p:nvSpPr>
-        <p:spPr>
-          <a:xfrm>
-            <a:off x="534389" y="4263241"/>
-            <a:ext cx="2185060" cy="1959429"/>
-          </a:xfrm>
-          <a:prstGeom prst="roundRect">
-            <a:avLst/>
-          </a:prstGeom>
-        </p:spPr>
-        <p:style>
-          <a:lnRef idx="2">
-            <a:schemeClr val="accent1">
-              <a:shade val="50000"/>
-            </a:schemeClr>
-          </a:lnRef>
-          <a:fillRef idx="1">
-            <a:schemeClr val="accent1"/>
-          </a:fillRef>
-          <a:effectRef idx="0">
-            <a:schemeClr val="accent1"/>
-          </a:effectRef>
-          <a:fontRef idx="minor">
-            <a:schemeClr val="lt1"/>
-          </a:fontRef>
-        </p:style>
-        <p:txBody>
-          <a:bodyPr rtlCol="0" anchor="ctr"/>
-          <a:lstStyle/>
-          <a:p>
-            <a:pPr algn="ctr"/>
-            <a:endParaRPr lang="ko-KR" altLang="en-US"/>
-          </a:p>
-        </p:txBody>
-      </p:sp>
-      <p:sp>
-        <p:nvSpPr>
-          <p:cNvPr id="11" name="모서리가 둥근 직사각형 10"/>
-          <p:cNvSpPr/>
-          <p:nvPr/>
-        </p:nvSpPr>
-        <p:spPr>
-          <a:xfrm>
-            <a:off x="3485407" y="4263241"/>
-            <a:ext cx="2185060" cy="1959429"/>
-          </a:xfrm>
-          <a:prstGeom prst="roundRect">
-            <a:avLst/>
-          </a:prstGeom>
-        </p:spPr>
-        <p:style>
-          <a:lnRef idx="2">
-            <a:schemeClr val="accent1">
-              <a:shade val="50000"/>
-            </a:schemeClr>
-          </a:lnRef>
-          <a:fillRef idx="1">
-            <a:schemeClr val="accent1"/>
-          </a:fillRef>
-          <a:effectRef idx="0">
-            <a:schemeClr val="accent1"/>
-          </a:effectRef>
-          <a:fontRef idx="minor">
-            <a:schemeClr val="lt1"/>
-          </a:fontRef>
-        </p:style>
-        <p:txBody>
-          <a:bodyPr rtlCol="0" anchor="ctr"/>
-          <a:lstStyle/>
-          <a:p>
-            <a:pPr algn="ctr"/>
-            <a:endParaRPr lang="ko-KR" altLang="en-US"/>
-          </a:p>
-        </p:txBody>
-      </p:sp>
-      <p:sp>
-        <p:nvSpPr>
-          <p:cNvPr id="12" name="모서리가 둥근 직사각형 11"/>
-          <p:cNvSpPr/>
-          <p:nvPr/>
-        </p:nvSpPr>
-        <p:spPr>
-          <a:xfrm>
-            <a:off x="6436426" y="4263241"/>
-            <a:ext cx="2185060" cy="1959429"/>
-          </a:xfrm>
-          <a:prstGeom prst="roundRect">
-            <a:avLst/>
-          </a:prstGeom>
-        </p:spPr>
-        <p:style>
-          <a:lnRef idx="2">
-            <a:schemeClr val="accent1">
-              <a:shade val="50000"/>
-            </a:schemeClr>
-          </a:lnRef>
-          <a:fillRef idx="1">
-            <a:schemeClr val="accent1"/>
-          </a:fillRef>
-          <a:effectRef idx="0">
-            <a:schemeClr val="accent1"/>
-          </a:effectRef>
-          <a:fontRef idx="minor">
-            <a:schemeClr val="lt1"/>
-          </a:fontRef>
-        </p:style>
-        <p:txBody>
-          <a:bodyPr rtlCol="0" anchor="ctr"/>
-          <a:lstStyle/>
-          <a:p>
-            <a:pPr algn="ctr"/>
-            <a:endParaRPr lang="ko-KR" altLang="en-US"/>
-          </a:p>
-        </p:txBody>
-      </p:sp>
-      <p:sp>
-        <p:nvSpPr>
-          <p:cNvPr id="13" name="모서리가 둥근 직사각형 12"/>
-          <p:cNvSpPr/>
-          <p:nvPr/>
-        </p:nvSpPr>
-        <p:spPr>
-          <a:xfrm>
-            <a:off x="9387445" y="4263241"/>
-            <a:ext cx="2185060" cy="1959429"/>
-          </a:xfrm>
-          <a:prstGeom prst="roundRect">
-            <a:avLst/>
-          </a:prstGeom>
-        </p:spPr>
-        <p:style>
-          <a:lnRef idx="2">
-            <a:schemeClr val="accent1">
-              <a:shade val="50000"/>
-            </a:schemeClr>
-          </a:lnRef>
-          <a:fillRef idx="1">
-            <a:schemeClr val="accent1"/>
-          </a:fillRef>
-          <a:effectRef idx="0">
-            <a:schemeClr val="accent1"/>
-          </a:effectRef>
-          <a:fontRef idx="minor">
-            <a:schemeClr val="lt1"/>
-          </a:fontRef>
-        </p:style>
-        <p:txBody>
-          <a:bodyPr rtlCol="0" anchor="ctr"/>
-          <a:lstStyle/>
-          <a:p>
-            <a:pPr algn="ctr"/>
-            <a:endParaRPr lang="ko-KR" altLang="en-US"/>
-          </a:p>
-        </p:txBody>
-      </p:sp>
-      <p:sp>
-        <p:nvSpPr>
-          <p:cNvPr id="18" name="TextBox 17"/>
+          <p:cNvPr id="11" name="TextBox 10"/>
           <p:cNvSpPr txBox="1"/>
           <p:nvPr/>
         </p:nvSpPr>
         <p:spPr>
           <a:xfrm>
-            <a:off x="534388" y="3091727"/>
-            <a:ext cx="2951019" cy="307777"/>
+            <a:off x="7834276" y="1238789"/>
+            <a:ext cx="1246906" cy="369332"/>
           </a:xfrm>
           <a:prstGeom prst="rect">
             <a:avLst/>
@@ -4054,24 +3856,25 @@
           </a:bodyPr>
           <a:lstStyle/>
           <a:p>
-            <a:r>
-              <a:rPr lang="ko-KR" altLang="en-US" sz="1400" dirty="0" smtClean="0"/>
-              <a:t>숙박 장소에 대한 간단한 설명</a:t>
-            </a:r>
-            <a:endParaRPr lang="ko-KR" altLang="en-US" sz="1400" dirty="0"/>
-          </a:p>
-        </p:txBody>
-      </p:sp>
-      <p:sp>
-        <p:nvSpPr>
-          <p:cNvPr id="19" name="TextBox 18"/>
+            <a:pPr algn="ctr"/>
+            <a:r>
+              <a:rPr lang="en-US" altLang="ko-KR" dirty="0" smtClean="0"/>
+              <a:t>Check-out</a:t>
+            </a:r>
+            <a:endParaRPr lang="ko-KR" altLang="en-US" dirty="0"/>
+          </a:p>
+        </p:txBody>
+      </p:sp>
+      <p:sp>
+        <p:nvSpPr>
+          <p:cNvPr id="12" name="TextBox 11"/>
           <p:cNvSpPr txBox="1"/>
           <p:nvPr/>
         </p:nvSpPr>
         <p:spPr>
           <a:xfrm>
-            <a:off x="534389" y="3461059"/>
-            <a:ext cx="2185060" cy="307777"/>
+            <a:off x="1547671" y="754571"/>
+            <a:ext cx="1092530" cy="369332"/>
           </a:xfrm>
           <a:prstGeom prst="rect">
             <a:avLst/>
@@ -4084,24 +3887,25 @@
           </a:bodyPr>
           <a:lstStyle/>
           <a:p>
-            <a:r>
-              <a:rPr lang="ko-KR" altLang="en-US" sz="1400" dirty="0" smtClean="0"/>
-              <a:t>방과 침대 수</a:t>
-            </a:r>
-            <a:endParaRPr lang="ko-KR" altLang="en-US" sz="1400" dirty="0"/>
-          </a:p>
-        </p:txBody>
-      </p:sp>
-      <p:sp>
-        <p:nvSpPr>
-          <p:cNvPr id="20" name="TextBox 19"/>
+            <a:pPr algn="ctr"/>
+            <a:r>
+              <a:rPr lang="en-US" altLang="ko-KR" dirty="0" smtClean="0"/>
+              <a:t>2.4.1.1</a:t>
+            </a:r>
+            <a:endParaRPr lang="ko-KR" altLang="en-US" dirty="0"/>
+          </a:p>
+        </p:txBody>
+      </p:sp>
+      <p:sp>
+        <p:nvSpPr>
+          <p:cNvPr id="13" name="TextBox 12"/>
           <p:cNvSpPr txBox="1"/>
           <p:nvPr/>
         </p:nvSpPr>
         <p:spPr>
           <a:xfrm>
-            <a:off x="534389" y="3830391"/>
-            <a:ext cx="2951018" cy="307777"/>
+            <a:off x="6741745" y="716275"/>
+            <a:ext cx="1092530" cy="369332"/>
           </a:xfrm>
           <a:prstGeom prst="rect">
             <a:avLst/>
@@ -4114,281 +3918,10 @@
           </a:bodyPr>
           <a:lstStyle/>
           <a:p>
-            <a:r>
-              <a:rPr lang="ko-KR" altLang="en-US" sz="1400" dirty="0" smtClean="0"/>
-              <a:t>가격</a:t>
-            </a:r>
-            <a:r>
-              <a:rPr lang="en-US" altLang="ko-KR" sz="1400" dirty="0" smtClean="0"/>
-              <a:t>/</a:t>
-            </a:r>
-            <a:r>
-              <a:rPr lang="ko-KR" altLang="en-US" sz="1400" dirty="0" smtClean="0"/>
-              <a:t>박  </a:t>
-            </a:r>
-            <a:r>
-              <a:rPr lang="en-US" altLang="ko-KR" sz="1400" dirty="0" smtClean="0"/>
-              <a:t>-  </a:t>
-            </a:r>
-            <a:r>
-              <a:rPr lang="ko-KR" altLang="en-US" sz="1400" dirty="0" smtClean="0"/>
-              <a:t>선택한 인원수의 총액</a:t>
-            </a:r>
-            <a:endParaRPr lang="ko-KR" altLang="en-US" sz="1400" dirty="0"/>
-          </a:p>
-        </p:txBody>
-      </p:sp>
-      <p:sp>
-        <p:nvSpPr>
-          <p:cNvPr id="21" name="TextBox 20"/>
-          <p:cNvSpPr txBox="1"/>
-          <p:nvPr/>
-        </p:nvSpPr>
-        <p:spPr>
-          <a:xfrm>
-            <a:off x="3485407" y="3091727"/>
-            <a:ext cx="2951019" cy="307777"/>
-          </a:xfrm>
-          <a:prstGeom prst="rect">
-            <a:avLst/>
-          </a:prstGeom>
-          <a:noFill/>
-        </p:spPr>
-        <p:txBody>
-          <a:bodyPr wrap="square" rtlCol="0">
-            <a:spAutoFit/>
-          </a:bodyPr>
-          <a:lstStyle/>
-          <a:p>
-            <a:r>
-              <a:rPr lang="ko-KR" altLang="en-US" sz="1400" smtClean="0"/>
-              <a:t>이하 동일</a:t>
-            </a:r>
-            <a:endParaRPr lang="ko-KR" altLang="en-US" sz="1400" dirty="0"/>
-          </a:p>
-        </p:txBody>
-      </p:sp>
-      <p:sp>
-        <p:nvSpPr>
-          <p:cNvPr id="22" name="TextBox 21"/>
-          <p:cNvSpPr txBox="1"/>
-          <p:nvPr/>
-        </p:nvSpPr>
-        <p:spPr>
-          <a:xfrm>
-            <a:off x="3485407" y="3460077"/>
-            <a:ext cx="2951019" cy="307777"/>
-          </a:xfrm>
-          <a:prstGeom prst="rect">
-            <a:avLst/>
-          </a:prstGeom>
-          <a:noFill/>
-        </p:spPr>
-        <p:txBody>
-          <a:bodyPr wrap="square" rtlCol="0">
-            <a:spAutoFit/>
-          </a:bodyPr>
-          <a:lstStyle/>
-          <a:p>
-            <a:r>
-              <a:rPr lang="ko-KR" altLang="en-US" sz="1400" smtClean="0"/>
-              <a:t>이하 동일</a:t>
-            </a:r>
-            <a:endParaRPr lang="ko-KR" altLang="en-US" sz="1400" dirty="0"/>
-          </a:p>
-        </p:txBody>
-      </p:sp>
-      <p:sp>
-        <p:nvSpPr>
-          <p:cNvPr id="23" name="TextBox 22"/>
-          <p:cNvSpPr txBox="1"/>
-          <p:nvPr/>
-        </p:nvSpPr>
-        <p:spPr>
-          <a:xfrm>
-            <a:off x="3485407" y="3828427"/>
-            <a:ext cx="2951019" cy="307777"/>
-          </a:xfrm>
-          <a:prstGeom prst="rect">
-            <a:avLst/>
-          </a:prstGeom>
-          <a:noFill/>
-        </p:spPr>
-        <p:txBody>
-          <a:bodyPr wrap="square" rtlCol="0">
-            <a:spAutoFit/>
-          </a:bodyPr>
-          <a:lstStyle/>
-          <a:p>
-            <a:r>
-              <a:rPr lang="ko-KR" altLang="en-US" sz="1400" smtClean="0"/>
-              <a:t>이하 동일</a:t>
-            </a:r>
-            <a:endParaRPr lang="ko-KR" altLang="en-US" sz="1400" dirty="0"/>
-          </a:p>
-        </p:txBody>
-      </p:sp>
-      <p:pic>
-        <p:nvPicPr>
-          <p:cNvPr id="24" name="그림 23"/>
-          <p:cNvPicPr>
-            <a:picLocks noChangeAspect="1"/>
-          </p:cNvPicPr>
-          <p:nvPr/>
-        </p:nvPicPr>
-        <p:blipFill>
-          <a:blip r:embed="rId2"/>
-          <a:stretch>
-            <a:fillRect/>
-          </a:stretch>
-        </p:blipFill>
-        <p:spPr>
-          <a:xfrm>
-            <a:off x="534388" y="1068780"/>
-            <a:ext cx="2185060" cy="1959429"/>
-          </a:xfrm>
-          <a:prstGeom prst="rect">
-            <a:avLst/>
-          </a:prstGeom>
-        </p:spPr>
-      </p:pic>
-      <p:sp>
-        <p:nvSpPr>
-          <p:cNvPr id="28" name="모서리가 둥근 직사각형 27"/>
-          <p:cNvSpPr/>
-          <p:nvPr/>
-        </p:nvSpPr>
-        <p:spPr>
-          <a:xfrm>
-            <a:off x="178130" y="130631"/>
-            <a:ext cx="1448790" cy="600302"/>
-          </a:xfrm>
-          <a:prstGeom prst="roundRect">
-            <a:avLst/>
-          </a:prstGeom>
-        </p:spPr>
-        <p:style>
-          <a:lnRef idx="2">
-            <a:schemeClr val="accent1">
-              <a:shade val="50000"/>
-            </a:schemeClr>
-          </a:lnRef>
-          <a:fillRef idx="1">
-            <a:schemeClr val="accent1"/>
-          </a:fillRef>
-          <a:effectRef idx="0">
-            <a:schemeClr val="accent1"/>
-          </a:effectRef>
-          <a:fontRef idx="minor">
-            <a:schemeClr val="lt1"/>
-          </a:fontRef>
-        </p:style>
-        <p:txBody>
-          <a:bodyPr rtlCol="0" anchor="ctr"/>
-          <a:lstStyle/>
-          <a:p>
             <a:pPr algn="ctr"/>
-            <a:endParaRPr lang="ko-KR" altLang="en-US"/>
-          </a:p>
-        </p:txBody>
-      </p:sp>
-      <p:sp>
-        <p:nvSpPr>
-          <p:cNvPr id="29" name="TextBox 28"/>
-          <p:cNvSpPr txBox="1"/>
-          <p:nvPr/>
-        </p:nvSpPr>
-        <p:spPr>
-          <a:xfrm>
-            <a:off x="391886" y="246116"/>
-            <a:ext cx="1021278" cy="369332"/>
-          </a:xfrm>
-          <a:prstGeom prst="rect">
-            <a:avLst/>
-          </a:prstGeom>
-          <a:noFill/>
-        </p:spPr>
-        <p:txBody>
-          <a:bodyPr wrap="square" rtlCol="0">
-            <a:spAutoFit/>
-          </a:bodyPr>
-          <a:lstStyle/>
-          <a:p>
-            <a:pPr algn="ctr"/>
             <a:r>
               <a:rPr lang="en-US" altLang="ko-KR" dirty="0" smtClean="0"/>
-              <a:t>LOGO</a:t>
-            </a:r>
-            <a:endParaRPr lang="ko-KR" altLang="en-US" dirty="0"/>
-          </a:p>
-        </p:txBody>
-      </p:sp>
-      <p:sp>
-        <p:nvSpPr>
-          <p:cNvPr id="34" name="모서리가 둥근 직사각형 33"/>
-          <p:cNvSpPr/>
-          <p:nvPr/>
-        </p:nvSpPr>
-        <p:spPr>
-          <a:xfrm>
-            <a:off x="10541958" y="188222"/>
-            <a:ext cx="1394010" cy="586344"/>
-          </a:xfrm>
-          <a:prstGeom prst="roundRect">
-            <a:avLst/>
-          </a:prstGeom>
-        </p:spPr>
-        <p:style>
-          <a:lnRef idx="2">
-            <a:schemeClr val="accent1">
-              <a:shade val="50000"/>
-            </a:schemeClr>
-          </a:lnRef>
-          <a:fillRef idx="1">
-            <a:schemeClr val="accent1"/>
-          </a:fillRef>
-          <a:effectRef idx="0">
-            <a:schemeClr val="accent1"/>
-          </a:effectRef>
-          <a:fontRef idx="minor">
-            <a:schemeClr val="lt1"/>
-          </a:fontRef>
-        </p:style>
-        <p:txBody>
-          <a:bodyPr rtlCol="0" anchor="ctr"/>
-          <a:lstStyle/>
-          <a:p>
-            <a:pPr algn="ctr"/>
-            <a:endParaRPr lang="ko-KR" altLang="en-US"/>
-          </a:p>
-        </p:txBody>
-      </p:sp>
-      <p:sp>
-        <p:nvSpPr>
-          <p:cNvPr id="35" name="TextBox 34"/>
-          <p:cNvSpPr txBox="1"/>
-          <p:nvPr/>
-        </p:nvSpPr>
-        <p:spPr>
-          <a:xfrm>
-            <a:off x="10377366" y="295686"/>
-            <a:ext cx="1723194" cy="369332"/>
-          </a:xfrm>
-          <a:prstGeom prst="rect">
-            <a:avLst/>
-          </a:prstGeom>
-          <a:noFill/>
-        </p:spPr>
-        <p:txBody>
-          <a:bodyPr wrap="square" rtlCol="0">
-            <a:spAutoFit/>
-          </a:bodyPr>
-          <a:lstStyle/>
-          <a:p>
-            <a:pPr algn="ctr"/>
-            <a:r>
-              <a:rPr lang="en-US" altLang="ko-KR" dirty="0" smtClean="0"/>
-              <a:t>My Page</a:t>
+              <a:t>2.4.1.2</a:t>
             </a:r>
             <a:endParaRPr lang="ko-KR" altLang="en-US" dirty="0"/>
           </a:p>
@@ -4397,7 +3930,7 @@
     </p:spTree>
     <p:extLst>
       <p:ext uri="{BB962C8B-B14F-4D97-AF65-F5344CB8AC3E}">
-        <p14:creationId xmlns:p14="http://schemas.microsoft.com/office/powerpoint/2010/main" val="117658968"/>
+        <p14:creationId xmlns:p14="http://schemas.microsoft.com/office/powerpoint/2010/main" val="3818280721"/>
       </p:ext>
     </p:extLst>
   </p:cSld>
@@ -4426,14 +3959,14 @@
       </p:grpSpPr>
       <p:sp>
         <p:nvSpPr>
-          <p:cNvPr id="4" name="모서리가 둥근 직사각형 3"/>
+          <p:cNvPr id="5" name="모서리가 둥근 직사각형 4"/>
           <p:cNvSpPr/>
           <p:nvPr/>
         </p:nvSpPr>
         <p:spPr>
           <a:xfrm>
-            <a:off x="178130" y="130631"/>
-            <a:ext cx="1448790" cy="600302"/>
+            <a:off x="534389" y="1068780"/>
+            <a:ext cx="2185060" cy="1959429"/>
           </a:xfrm>
           <a:prstGeom prst="roundRect">
             <a:avLst/>
@@ -4466,13 +3999,13 @@
       </p:sp>
       <p:sp>
         <p:nvSpPr>
-          <p:cNvPr id="5" name="TextBox 4"/>
+          <p:cNvPr id="6" name="TextBox 5"/>
           <p:cNvSpPr txBox="1"/>
           <p:nvPr/>
         </p:nvSpPr>
         <p:spPr>
           <a:xfrm>
-            <a:off x="391886" y="246116"/>
+            <a:off x="5542215" y="361601"/>
             <a:ext cx="1021278" cy="369332"/>
           </a:xfrm>
           <a:prstGeom prst="rect">
@@ -4488,8 +4021,20 @@
           <a:p>
             <a:pPr algn="ctr"/>
             <a:r>
+              <a:rPr lang="ko-KR" altLang="en-US" dirty="0" smtClean="0"/>
+              <a:t>총</a:t>
+            </a:r>
+            <a:r>
+              <a:rPr lang="en-US" altLang="ko-KR" dirty="0"/>
+              <a:t> </a:t>
+            </a:r>
+            <a:r>
               <a:rPr lang="en-US" altLang="ko-KR" dirty="0" smtClean="0"/>
-              <a:t>LOGO</a:t>
+              <a:t>n</a:t>
+            </a:r>
+            <a:r>
+              <a:rPr lang="ko-KR" altLang="en-US" dirty="0" smtClean="0"/>
+              <a:t>개</a:t>
             </a:r>
             <a:endParaRPr lang="ko-KR" altLang="en-US" dirty="0"/>
           </a:p>
@@ -4497,14 +4042,14 @@
       </p:sp>
       <p:sp>
         <p:nvSpPr>
-          <p:cNvPr id="6" name="모서리가 둥근 직사각형 5"/>
+          <p:cNvPr id="7" name="모서리가 둥근 직사각형 6"/>
           <p:cNvSpPr/>
           <p:nvPr/>
         </p:nvSpPr>
         <p:spPr>
           <a:xfrm>
-            <a:off x="3918858" y="208418"/>
-            <a:ext cx="3135085" cy="522515"/>
+            <a:off x="3485407" y="1068780"/>
+            <a:ext cx="2185060" cy="1959429"/>
           </a:xfrm>
           <a:prstGeom prst="roundRect">
             <a:avLst/>
@@ -4537,24 +4082,259 @@
       </p:sp>
       <p:sp>
         <p:nvSpPr>
-          <p:cNvPr id="7" name="TextBox 6"/>
+          <p:cNvPr id="8" name="모서리가 둥근 직사각형 7"/>
+          <p:cNvSpPr/>
+          <p:nvPr/>
+        </p:nvSpPr>
+        <p:spPr>
+          <a:xfrm>
+            <a:off x="6436426" y="1068780"/>
+            <a:ext cx="2185060" cy="1959429"/>
+          </a:xfrm>
+          <a:prstGeom prst="roundRect">
+            <a:avLst/>
+          </a:prstGeom>
+        </p:spPr>
+        <p:style>
+          <a:lnRef idx="2">
+            <a:schemeClr val="accent1">
+              <a:shade val="50000"/>
+            </a:schemeClr>
+          </a:lnRef>
+          <a:fillRef idx="1">
+            <a:schemeClr val="accent1"/>
+          </a:fillRef>
+          <a:effectRef idx="0">
+            <a:schemeClr val="accent1"/>
+          </a:effectRef>
+          <a:fontRef idx="minor">
+            <a:schemeClr val="lt1"/>
+          </a:fontRef>
+        </p:style>
+        <p:txBody>
+          <a:bodyPr rtlCol="0" anchor="ctr"/>
+          <a:lstStyle/>
+          <a:p>
+            <a:pPr algn="ctr"/>
+            <a:endParaRPr lang="ko-KR" altLang="en-US"/>
+          </a:p>
+        </p:txBody>
+      </p:sp>
+      <p:sp>
+        <p:nvSpPr>
+          <p:cNvPr id="9" name="모서리가 둥근 직사각형 8"/>
+          <p:cNvSpPr/>
+          <p:nvPr/>
+        </p:nvSpPr>
+        <p:spPr>
+          <a:xfrm>
+            <a:off x="9387445" y="1068780"/>
+            <a:ext cx="2185060" cy="1959429"/>
+          </a:xfrm>
+          <a:prstGeom prst="roundRect">
+            <a:avLst/>
+          </a:prstGeom>
+        </p:spPr>
+        <p:style>
+          <a:lnRef idx="2">
+            <a:schemeClr val="accent1">
+              <a:shade val="50000"/>
+            </a:schemeClr>
+          </a:lnRef>
+          <a:fillRef idx="1">
+            <a:schemeClr val="accent1"/>
+          </a:fillRef>
+          <a:effectRef idx="0">
+            <a:schemeClr val="accent1"/>
+          </a:effectRef>
+          <a:fontRef idx="minor">
+            <a:schemeClr val="lt1"/>
+          </a:fontRef>
+        </p:style>
+        <p:txBody>
+          <a:bodyPr rtlCol="0" anchor="ctr"/>
+          <a:lstStyle/>
+          <a:p>
+            <a:pPr algn="ctr"/>
+            <a:endParaRPr lang="ko-KR" altLang="en-US"/>
+          </a:p>
+        </p:txBody>
+      </p:sp>
+      <p:sp>
+        <p:nvSpPr>
+          <p:cNvPr id="10" name="모서리가 둥근 직사각형 9"/>
+          <p:cNvSpPr/>
+          <p:nvPr/>
+        </p:nvSpPr>
+        <p:spPr>
+          <a:xfrm>
+            <a:off x="534389" y="4263241"/>
+            <a:ext cx="2185060" cy="1959429"/>
+          </a:xfrm>
+          <a:prstGeom prst="roundRect">
+            <a:avLst/>
+          </a:prstGeom>
+        </p:spPr>
+        <p:style>
+          <a:lnRef idx="2">
+            <a:schemeClr val="accent1">
+              <a:shade val="50000"/>
+            </a:schemeClr>
+          </a:lnRef>
+          <a:fillRef idx="1">
+            <a:schemeClr val="accent1"/>
+          </a:fillRef>
+          <a:effectRef idx="0">
+            <a:schemeClr val="accent1"/>
+          </a:effectRef>
+          <a:fontRef idx="minor">
+            <a:schemeClr val="lt1"/>
+          </a:fontRef>
+        </p:style>
+        <p:txBody>
+          <a:bodyPr rtlCol="0" anchor="ctr"/>
+          <a:lstStyle/>
+          <a:p>
+            <a:pPr algn="ctr"/>
+            <a:endParaRPr lang="ko-KR" altLang="en-US"/>
+          </a:p>
+        </p:txBody>
+      </p:sp>
+      <p:sp>
+        <p:nvSpPr>
+          <p:cNvPr id="11" name="모서리가 둥근 직사각형 10"/>
+          <p:cNvSpPr/>
+          <p:nvPr/>
+        </p:nvSpPr>
+        <p:spPr>
+          <a:xfrm>
+            <a:off x="3485407" y="4263241"/>
+            <a:ext cx="2185060" cy="1959429"/>
+          </a:xfrm>
+          <a:prstGeom prst="roundRect">
+            <a:avLst/>
+          </a:prstGeom>
+        </p:spPr>
+        <p:style>
+          <a:lnRef idx="2">
+            <a:schemeClr val="accent1">
+              <a:shade val="50000"/>
+            </a:schemeClr>
+          </a:lnRef>
+          <a:fillRef idx="1">
+            <a:schemeClr val="accent1"/>
+          </a:fillRef>
+          <a:effectRef idx="0">
+            <a:schemeClr val="accent1"/>
+          </a:effectRef>
+          <a:fontRef idx="minor">
+            <a:schemeClr val="lt1"/>
+          </a:fontRef>
+        </p:style>
+        <p:txBody>
+          <a:bodyPr rtlCol="0" anchor="ctr"/>
+          <a:lstStyle/>
+          <a:p>
+            <a:pPr algn="ctr"/>
+            <a:endParaRPr lang="ko-KR" altLang="en-US"/>
+          </a:p>
+        </p:txBody>
+      </p:sp>
+      <p:sp>
+        <p:nvSpPr>
+          <p:cNvPr id="12" name="모서리가 둥근 직사각형 11"/>
+          <p:cNvSpPr/>
+          <p:nvPr/>
+        </p:nvSpPr>
+        <p:spPr>
+          <a:xfrm>
+            <a:off x="6436426" y="4263241"/>
+            <a:ext cx="2185060" cy="1959429"/>
+          </a:xfrm>
+          <a:prstGeom prst="roundRect">
+            <a:avLst/>
+          </a:prstGeom>
+        </p:spPr>
+        <p:style>
+          <a:lnRef idx="2">
+            <a:schemeClr val="accent1">
+              <a:shade val="50000"/>
+            </a:schemeClr>
+          </a:lnRef>
+          <a:fillRef idx="1">
+            <a:schemeClr val="accent1"/>
+          </a:fillRef>
+          <a:effectRef idx="0">
+            <a:schemeClr val="accent1"/>
+          </a:effectRef>
+          <a:fontRef idx="minor">
+            <a:schemeClr val="lt1"/>
+          </a:fontRef>
+        </p:style>
+        <p:txBody>
+          <a:bodyPr rtlCol="0" anchor="ctr"/>
+          <a:lstStyle/>
+          <a:p>
+            <a:pPr algn="ctr"/>
+            <a:endParaRPr lang="ko-KR" altLang="en-US"/>
+          </a:p>
+        </p:txBody>
+      </p:sp>
+      <p:sp>
+        <p:nvSpPr>
+          <p:cNvPr id="13" name="모서리가 둥근 직사각형 12"/>
+          <p:cNvSpPr/>
+          <p:nvPr/>
+        </p:nvSpPr>
+        <p:spPr>
+          <a:xfrm>
+            <a:off x="9387445" y="4263241"/>
+            <a:ext cx="2185060" cy="1959429"/>
+          </a:xfrm>
+          <a:prstGeom prst="roundRect">
+            <a:avLst/>
+          </a:prstGeom>
+        </p:spPr>
+        <p:style>
+          <a:lnRef idx="2">
+            <a:schemeClr val="accent1">
+              <a:shade val="50000"/>
+            </a:schemeClr>
+          </a:lnRef>
+          <a:fillRef idx="1">
+            <a:schemeClr val="accent1"/>
+          </a:fillRef>
+          <a:effectRef idx="0">
+            <a:schemeClr val="accent1"/>
+          </a:effectRef>
+          <a:fontRef idx="minor">
+            <a:schemeClr val="lt1"/>
+          </a:fontRef>
+        </p:style>
+        <p:txBody>
+          <a:bodyPr rtlCol="0" anchor="ctr"/>
+          <a:lstStyle/>
+          <a:p>
+            <a:pPr algn="ctr"/>
+            <a:endParaRPr lang="ko-KR" altLang="en-US"/>
+          </a:p>
+        </p:txBody>
+      </p:sp>
+      <p:sp>
+        <p:nvSpPr>
+          <p:cNvPr id="18" name="TextBox 17"/>
           <p:cNvSpPr txBox="1"/>
           <p:nvPr/>
         </p:nvSpPr>
         <p:spPr>
           <a:xfrm>
-            <a:off x="534390" y="5237685"/>
-            <a:ext cx="3503220" cy="1384995"/>
+            <a:off x="534388" y="3091727"/>
+            <a:ext cx="2951019" cy="307777"/>
           </a:xfrm>
           <a:prstGeom prst="rect">
             <a:avLst/>
           </a:prstGeom>
           <a:noFill/>
-          <a:ln>
-            <a:solidFill>
-              <a:schemeClr val="bg1"/>
-            </a:solidFill>
-          </a:ln>
         </p:spPr>
         <p:txBody>
           <a:bodyPr wrap="square" rtlCol="0">
@@ -4564,64 +4344,181 @@
           <a:p>
             <a:r>
               <a:rPr lang="ko-KR" altLang="en-US" sz="1400" dirty="0" smtClean="0"/>
-              <a:t>주변 자연 경관 및 관광 명소 소개</a:t>
-            </a:r>
-            <a:endParaRPr lang="en-US" altLang="ko-KR" sz="1400" dirty="0" smtClean="0"/>
-          </a:p>
-          <a:p>
-            <a:endParaRPr lang="en-US" altLang="ko-KR" sz="1400" dirty="0"/>
-          </a:p>
+              <a:t>숙박 장소에 대한 간단한 설명</a:t>
+            </a:r>
+            <a:endParaRPr lang="ko-KR" altLang="en-US" sz="1400" dirty="0"/>
+          </a:p>
+        </p:txBody>
+      </p:sp>
+      <p:sp>
+        <p:nvSpPr>
+          <p:cNvPr id="19" name="TextBox 18"/>
+          <p:cNvSpPr txBox="1"/>
+          <p:nvPr/>
+        </p:nvSpPr>
+        <p:spPr>
+          <a:xfrm>
+            <a:off x="534389" y="3461059"/>
+            <a:ext cx="2185060" cy="307777"/>
+          </a:xfrm>
+          <a:prstGeom prst="rect">
+            <a:avLst/>
+          </a:prstGeom>
+          <a:noFill/>
+        </p:spPr>
+        <p:txBody>
+          <a:bodyPr wrap="square" rtlCol="0">
+            <a:spAutoFit/>
+          </a:bodyPr>
+          <a:lstStyle/>
           <a:p>
             <a:r>
               <a:rPr lang="ko-KR" altLang="en-US" sz="1400" dirty="0" smtClean="0"/>
-              <a:t>숙소의 특색 설명</a:t>
-            </a:r>
-            <a:endParaRPr lang="en-US" altLang="ko-KR" sz="1400" dirty="0" smtClean="0"/>
-          </a:p>
-          <a:p>
-            <a:endParaRPr lang="en-US" altLang="ko-KR" sz="1400" dirty="0" smtClean="0"/>
-          </a:p>
-          <a:p>
-            <a:endParaRPr lang="en-US" altLang="ko-KR" sz="1400" dirty="0"/>
-          </a:p>
-          <a:p>
+              <a:t>방과 침대 수</a:t>
+            </a:r>
             <a:endParaRPr lang="ko-KR" altLang="en-US" sz="1400" dirty="0"/>
           </a:p>
         </p:txBody>
       </p:sp>
-      <p:cxnSp>
-        <p:nvCxnSpPr>
-          <p:cNvPr id="9" name="직선 연결선 8"/>
-          <p:cNvCxnSpPr/>
-          <p:nvPr/>
-        </p:nvCxnSpPr>
-        <p:spPr>
-          <a:xfrm>
-            <a:off x="534390" y="1021278"/>
-            <a:ext cx="10794670" cy="0"/>
-          </a:xfrm>
-          <a:prstGeom prst="line">
-            <a:avLst/>
-          </a:prstGeom>
-        </p:spPr>
-        <p:style>
-          <a:lnRef idx="1">
-            <a:schemeClr val="accent1"/>
-          </a:lnRef>
-          <a:fillRef idx="0">
-            <a:schemeClr val="accent1"/>
-          </a:fillRef>
-          <a:effectRef idx="0">
-            <a:schemeClr val="accent1"/>
-          </a:effectRef>
-          <a:fontRef idx="minor">
-            <a:schemeClr val="tx1"/>
-          </a:fontRef>
-        </p:style>
-      </p:cxnSp>
+      <p:sp>
+        <p:nvSpPr>
+          <p:cNvPr id="20" name="TextBox 19"/>
+          <p:cNvSpPr txBox="1"/>
+          <p:nvPr/>
+        </p:nvSpPr>
+        <p:spPr>
+          <a:xfrm>
+            <a:off x="534389" y="3830391"/>
+            <a:ext cx="2951018" cy="307777"/>
+          </a:xfrm>
+          <a:prstGeom prst="rect">
+            <a:avLst/>
+          </a:prstGeom>
+          <a:noFill/>
+        </p:spPr>
+        <p:txBody>
+          <a:bodyPr wrap="square" rtlCol="0">
+            <a:spAutoFit/>
+          </a:bodyPr>
+          <a:lstStyle/>
+          <a:p>
+            <a:r>
+              <a:rPr lang="ko-KR" altLang="en-US" sz="1400" dirty="0" smtClean="0"/>
+              <a:t>가격</a:t>
+            </a:r>
+            <a:r>
+              <a:rPr lang="en-US" altLang="ko-KR" sz="1400" dirty="0" smtClean="0"/>
+              <a:t>/</a:t>
+            </a:r>
+            <a:r>
+              <a:rPr lang="ko-KR" altLang="en-US" sz="1400" dirty="0" smtClean="0"/>
+              <a:t>박  </a:t>
+            </a:r>
+            <a:r>
+              <a:rPr lang="en-US" altLang="ko-KR" sz="1400" dirty="0" smtClean="0"/>
+              <a:t>-  </a:t>
+            </a:r>
+            <a:r>
+              <a:rPr lang="ko-KR" altLang="en-US" sz="1400" dirty="0" smtClean="0"/>
+              <a:t>선택한 인원수의 총액</a:t>
+            </a:r>
+            <a:endParaRPr lang="ko-KR" altLang="en-US" sz="1400" dirty="0"/>
+          </a:p>
+        </p:txBody>
+      </p:sp>
+      <p:sp>
+        <p:nvSpPr>
+          <p:cNvPr id="21" name="TextBox 20"/>
+          <p:cNvSpPr txBox="1"/>
+          <p:nvPr/>
+        </p:nvSpPr>
+        <p:spPr>
+          <a:xfrm>
+            <a:off x="3485407" y="3091727"/>
+            <a:ext cx="2951019" cy="307777"/>
+          </a:xfrm>
+          <a:prstGeom prst="rect">
+            <a:avLst/>
+          </a:prstGeom>
+          <a:noFill/>
+        </p:spPr>
+        <p:txBody>
+          <a:bodyPr wrap="square" rtlCol="0">
+            <a:spAutoFit/>
+          </a:bodyPr>
+          <a:lstStyle/>
+          <a:p>
+            <a:r>
+              <a:rPr lang="ko-KR" altLang="en-US" sz="1400" smtClean="0"/>
+              <a:t>이하 동일</a:t>
+            </a:r>
+            <a:endParaRPr lang="ko-KR" altLang="en-US" sz="1400" dirty="0"/>
+          </a:p>
+        </p:txBody>
+      </p:sp>
+      <p:sp>
+        <p:nvSpPr>
+          <p:cNvPr id="22" name="TextBox 21"/>
+          <p:cNvSpPr txBox="1"/>
+          <p:nvPr/>
+        </p:nvSpPr>
+        <p:spPr>
+          <a:xfrm>
+            <a:off x="3485407" y="3460077"/>
+            <a:ext cx="2951019" cy="307777"/>
+          </a:xfrm>
+          <a:prstGeom prst="rect">
+            <a:avLst/>
+          </a:prstGeom>
+          <a:noFill/>
+        </p:spPr>
+        <p:txBody>
+          <a:bodyPr wrap="square" rtlCol="0">
+            <a:spAutoFit/>
+          </a:bodyPr>
+          <a:lstStyle/>
+          <a:p>
+            <a:r>
+              <a:rPr lang="ko-KR" altLang="en-US" sz="1400" smtClean="0"/>
+              <a:t>이하 동일</a:t>
+            </a:r>
+            <a:endParaRPr lang="ko-KR" altLang="en-US" sz="1400" dirty="0"/>
+          </a:p>
+        </p:txBody>
+      </p:sp>
+      <p:sp>
+        <p:nvSpPr>
+          <p:cNvPr id="23" name="TextBox 22"/>
+          <p:cNvSpPr txBox="1"/>
+          <p:nvPr/>
+        </p:nvSpPr>
+        <p:spPr>
+          <a:xfrm>
+            <a:off x="3485407" y="3828427"/>
+            <a:ext cx="2951019" cy="307777"/>
+          </a:xfrm>
+          <a:prstGeom prst="rect">
+            <a:avLst/>
+          </a:prstGeom>
+          <a:noFill/>
+        </p:spPr>
+        <p:txBody>
+          <a:bodyPr wrap="square" rtlCol="0">
+            <a:spAutoFit/>
+          </a:bodyPr>
+          <a:lstStyle/>
+          <a:p>
+            <a:r>
+              <a:rPr lang="ko-KR" altLang="en-US" sz="1400" smtClean="0"/>
+              <a:t>이하 동일</a:t>
+            </a:r>
+            <a:endParaRPr lang="ko-KR" altLang="en-US" sz="1400" dirty="0"/>
+          </a:p>
+        </p:txBody>
+      </p:sp>
       <p:pic>
         <p:nvPicPr>
-          <p:cNvPr id="10" name="그림 9"/>
+          <p:cNvPr id="24" name="그림 23"/>
           <p:cNvPicPr>
             <a:picLocks noChangeAspect="1"/>
           </p:cNvPicPr>
@@ -4635,8 +4532,8 @@
         </p:blipFill>
         <p:spPr>
           <a:xfrm>
-            <a:off x="534390" y="1601968"/>
-            <a:ext cx="2624446" cy="3499261"/>
+            <a:off x="534388" y="1068780"/>
+            <a:ext cx="2185060" cy="1959429"/>
           </a:xfrm>
           <a:prstGeom prst="rect">
             <a:avLst/>
@@ -4645,14 +4542,14 @@
       </p:pic>
       <p:sp>
         <p:nvSpPr>
-          <p:cNvPr id="11" name="모서리가 둥근 직사각형 10"/>
+          <p:cNvPr id="28" name="모서리가 둥근 직사각형 27"/>
           <p:cNvSpPr/>
           <p:nvPr/>
         </p:nvSpPr>
         <p:spPr>
           <a:xfrm>
-            <a:off x="3402281" y="1601968"/>
-            <a:ext cx="1751610" cy="1675622"/>
+            <a:off x="178130" y="130631"/>
+            <a:ext cx="1448790" cy="600302"/>
           </a:xfrm>
           <a:prstGeom prst="roundRect">
             <a:avLst/>
@@ -4685,14 +4582,45 @@
       </p:sp>
       <p:sp>
         <p:nvSpPr>
-          <p:cNvPr id="15" name="모서리가 둥근 직사각형 14"/>
+          <p:cNvPr id="29" name="TextBox 28"/>
+          <p:cNvSpPr txBox="1"/>
+          <p:nvPr/>
+        </p:nvSpPr>
+        <p:spPr>
+          <a:xfrm>
+            <a:off x="391886" y="246116"/>
+            <a:ext cx="1021278" cy="369332"/>
+          </a:xfrm>
+          <a:prstGeom prst="rect">
+            <a:avLst/>
+          </a:prstGeom>
+          <a:noFill/>
+        </p:spPr>
+        <p:txBody>
+          <a:bodyPr wrap="square" rtlCol="0">
+            <a:spAutoFit/>
+          </a:bodyPr>
+          <a:lstStyle/>
+          <a:p>
+            <a:pPr algn="ctr"/>
+            <a:r>
+              <a:rPr lang="en-US" altLang="ko-KR" dirty="0" smtClean="0"/>
+              <a:t>LOGO</a:t>
+            </a:r>
+            <a:endParaRPr lang="ko-KR" altLang="en-US" dirty="0"/>
+          </a:p>
+        </p:txBody>
+      </p:sp>
+      <p:sp>
+        <p:nvSpPr>
+          <p:cNvPr id="34" name="모서리가 둥근 직사각형 33"/>
           <p:cNvSpPr/>
           <p:nvPr/>
         </p:nvSpPr>
         <p:spPr>
           <a:xfrm>
-            <a:off x="3402281" y="3425607"/>
-            <a:ext cx="1751610" cy="1675622"/>
+            <a:off x="10541958" y="188222"/>
+            <a:ext cx="1394010" cy="586344"/>
           </a:xfrm>
           <a:prstGeom prst="roundRect">
             <a:avLst/>
@@ -4725,94 +4653,14 @@
       </p:sp>
       <p:sp>
         <p:nvSpPr>
-          <p:cNvPr id="16" name="모서리가 둥근 직사각형 15"/>
-          <p:cNvSpPr/>
-          <p:nvPr/>
-        </p:nvSpPr>
-        <p:spPr>
-          <a:xfrm>
-            <a:off x="5486400" y="3425607"/>
-            <a:ext cx="1751610" cy="1675622"/>
-          </a:xfrm>
-          <a:prstGeom prst="roundRect">
-            <a:avLst/>
-          </a:prstGeom>
-        </p:spPr>
-        <p:style>
-          <a:lnRef idx="2">
-            <a:schemeClr val="accent1">
-              <a:shade val="50000"/>
-            </a:schemeClr>
-          </a:lnRef>
-          <a:fillRef idx="1">
-            <a:schemeClr val="accent1"/>
-          </a:fillRef>
-          <a:effectRef idx="0">
-            <a:schemeClr val="accent1"/>
-          </a:effectRef>
-          <a:fontRef idx="minor">
-            <a:schemeClr val="lt1"/>
-          </a:fontRef>
-        </p:style>
-        <p:txBody>
-          <a:bodyPr rtlCol="0" anchor="ctr"/>
-          <a:lstStyle/>
-          <a:p>
-            <a:pPr algn="ctr"/>
-            <a:endParaRPr lang="ko-KR" altLang="en-US"/>
-          </a:p>
-        </p:txBody>
-      </p:sp>
-      <p:sp>
-        <p:nvSpPr>
-          <p:cNvPr id="17" name="모서리가 둥근 직사각형 16"/>
-          <p:cNvSpPr/>
-          <p:nvPr/>
-        </p:nvSpPr>
-        <p:spPr>
-          <a:xfrm>
-            <a:off x="5486400" y="1601968"/>
-            <a:ext cx="1751610" cy="1675622"/>
-          </a:xfrm>
-          <a:prstGeom prst="roundRect">
-            <a:avLst/>
-          </a:prstGeom>
-        </p:spPr>
-        <p:style>
-          <a:lnRef idx="2">
-            <a:schemeClr val="accent1">
-              <a:shade val="50000"/>
-            </a:schemeClr>
-          </a:lnRef>
-          <a:fillRef idx="1">
-            <a:schemeClr val="accent1"/>
-          </a:fillRef>
-          <a:effectRef idx="0">
-            <a:schemeClr val="accent1"/>
-          </a:effectRef>
-          <a:fontRef idx="minor">
-            <a:schemeClr val="lt1"/>
-          </a:fontRef>
-        </p:style>
-        <p:txBody>
-          <a:bodyPr rtlCol="0" anchor="ctr"/>
-          <a:lstStyle/>
-          <a:p>
-            <a:pPr algn="ctr"/>
-            <a:endParaRPr lang="ko-KR" altLang="en-US"/>
-          </a:p>
-        </p:txBody>
-      </p:sp>
-      <p:sp>
-        <p:nvSpPr>
-          <p:cNvPr id="18" name="TextBox 17"/>
+          <p:cNvPr id="35" name="TextBox 34"/>
           <p:cNvSpPr txBox="1"/>
           <p:nvPr/>
         </p:nvSpPr>
         <p:spPr>
           <a:xfrm>
-            <a:off x="7422079" y="1607797"/>
-            <a:ext cx="1472540" cy="307777"/>
+            <a:off x="10377366" y="295686"/>
+            <a:ext cx="1723194" cy="369332"/>
           </a:xfrm>
           <a:prstGeom prst="rect">
             <a:avLst/>
@@ -4825,578 +4673,6 @@
           </a:bodyPr>
           <a:lstStyle/>
           <a:p>
-            <a:r>
-              <a:rPr lang="ko-KR" altLang="en-US" sz="1400" dirty="0" smtClean="0"/>
-              <a:t>편의 시설 설명</a:t>
-            </a:r>
-            <a:endParaRPr lang="ko-KR" altLang="en-US" sz="1400" dirty="0"/>
-          </a:p>
-        </p:txBody>
-      </p:sp>
-      <p:sp>
-        <p:nvSpPr>
-          <p:cNvPr id="19" name="TextBox 18"/>
-          <p:cNvSpPr txBox="1"/>
-          <p:nvPr/>
-        </p:nvSpPr>
-        <p:spPr>
-          <a:xfrm>
-            <a:off x="7422079" y="1915574"/>
-            <a:ext cx="1472540" cy="3323987"/>
-          </a:xfrm>
-          <a:prstGeom prst="rect">
-            <a:avLst/>
-          </a:prstGeom>
-          <a:noFill/>
-          <a:ln>
-            <a:solidFill>
-              <a:schemeClr val="bg1"/>
-            </a:solidFill>
-          </a:ln>
-        </p:spPr>
-        <p:txBody>
-          <a:bodyPr wrap="square" rtlCol="0">
-            <a:spAutoFit/>
-          </a:bodyPr>
-          <a:lstStyle/>
-          <a:p>
-            <a:r>
-              <a:rPr lang="ko-KR" altLang="en-US" sz="1400" dirty="0" smtClean="0"/>
-              <a:t>침대 수 </a:t>
-            </a:r>
-            <a:r>
-              <a:rPr lang="en-US" altLang="ko-KR" sz="1400" dirty="0" smtClean="0"/>
-              <a:t>: N	</a:t>
-            </a:r>
-          </a:p>
-          <a:p>
-            <a:endParaRPr lang="en-US" altLang="ko-KR" sz="1400" dirty="0"/>
-          </a:p>
-          <a:p>
-            <a:r>
-              <a:rPr lang="ko-KR" altLang="en-US" sz="1400" dirty="0" smtClean="0"/>
-              <a:t>바비큐</a:t>
-            </a:r>
-            <a:endParaRPr lang="en-US" altLang="ko-KR" sz="1400" dirty="0" smtClean="0"/>
-          </a:p>
-          <a:p>
-            <a:endParaRPr lang="en-US" altLang="ko-KR" sz="1400" dirty="0"/>
-          </a:p>
-          <a:p>
-            <a:r>
-              <a:rPr lang="ko-KR" altLang="en-US" sz="1400" dirty="0" smtClean="0"/>
-              <a:t>방갈로</a:t>
-            </a:r>
-            <a:endParaRPr lang="en-US" altLang="ko-KR" sz="1400" dirty="0" smtClean="0"/>
-          </a:p>
-          <a:p>
-            <a:endParaRPr lang="en-US" altLang="ko-KR" sz="1400" dirty="0"/>
-          </a:p>
-          <a:p>
-            <a:r>
-              <a:rPr lang="ko-KR" altLang="en-US" sz="1400" dirty="0" smtClean="0"/>
-              <a:t>테라스</a:t>
-            </a:r>
-            <a:endParaRPr lang="en-US" altLang="ko-KR" sz="1400" dirty="0" smtClean="0"/>
-          </a:p>
-          <a:p>
-            <a:endParaRPr lang="en-US" altLang="ko-KR" sz="1400" dirty="0"/>
-          </a:p>
-          <a:p>
-            <a:r>
-              <a:rPr lang="ko-KR" altLang="en-US" sz="1400" dirty="0" smtClean="0"/>
-              <a:t>수영장</a:t>
-            </a:r>
-            <a:endParaRPr lang="en-US" altLang="ko-KR" sz="1400" dirty="0" smtClean="0"/>
-          </a:p>
-          <a:p>
-            <a:endParaRPr lang="en-US" altLang="ko-KR" sz="1400" dirty="0"/>
-          </a:p>
-          <a:p>
-            <a:r>
-              <a:rPr lang="ko-KR" altLang="en-US" sz="1400" dirty="0" smtClean="0"/>
-              <a:t>수건 지급</a:t>
-            </a:r>
-            <a:endParaRPr lang="en-US" altLang="ko-KR" sz="1400" dirty="0" smtClean="0"/>
-          </a:p>
-          <a:p>
-            <a:endParaRPr lang="en-US" altLang="ko-KR" sz="1400" dirty="0"/>
-          </a:p>
-          <a:p>
-            <a:endParaRPr lang="en-US" altLang="ko-KR" sz="1400" dirty="0" smtClean="0"/>
-          </a:p>
-          <a:p>
-            <a:endParaRPr lang="en-US" altLang="ko-KR" sz="1400" dirty="0"/>
-          </a:p>
-          <a:p>
-            <a:endParaRPr lang="en-US" altLang="ko-KR" sz="1400" dirty="0" smtClean="0"/>
-          </a:p>
-        </p:txBody>
-      </p:sp>
-      <p:sp>
-        <p:nvSpPr>
-          <p:cNvPr id="20" name="모서리가 둥근 직사각형 19"/>
-          <p:cNvSpPr/>
-          <p:nvPr/>
-        </p:nvSpPr>
-        <p:spPr>
-          <a:xfrm>
-            <a:off x="9227129" y="1607748"/>
-            <a:ext cx="2101932" cy="3493481"/>
-          </a:xfrm>
-          <a:prstGeom prst="roundRect">
-            <a:avLst/>
-          </a:prstGeom>
-          <a:solidFill>
-            <a:srgbClr val="DC94D9"/>
-          </a:solidFill>
-        </p:spPr>
-        <p:style>
-          <a:lnRef idx="2">
-            <a:schemeClr val="accent1">
-              <a:shade val="50000"/>
-            </a:schemeClr>
-          </a:lnRef>
-          <a:fillRef idx="1">
-            <a:schemeClr val="accent1"/>
-          </a:fillRef>
-          <a:effectRef idx="0">
-            <a:schemeClr val="accent1"/>
-          </a:effectRef>
-          <a:fontRef idx="minor">
-            <a:schemeClr val="lt1"/>
-          </a:fontRef>
-        </p:style>
-        <p:txBody>
-          <a:bodyPr rtlCol="0" anchor="ctr"/>
-          <a:lstStyle/>
-          <a:p>
-            <a:pPr algn="ctr"/>
-            <a:endParaRPr lang="ko-KR" altLang="en-US"/>
-          </a:p>
-        </p:txBody>
-      </p:sp>
-      <p:sp>
-        <p:nvSpPr>
-          <p:cNvPr id="21" name="모서리가 둥근 직사각형 20"/>
-          <p:cNvSpPr/>
-          <p:nvPr/>
-        </p:nvSpPr>
-        <p:spPr>
-          <a:xfrm>
-            <a:off x="7346373" y="1607748"/>
-            <a:ext cx="1772392" cy="3493481"/>
-          </a:xfrm>
-          <a:prstGeom prst="roundRect">
-            <a:avLst/>
-          </a:prstGeom>
-          <a:noFill/>
-          <a:ln>
-            <a:solidFill>
-              <a:schemeClr val="tx1"/>
-            </a:solidFill>
-          </a:ln>
-        </p:spPr>
-        <p:style>
-          <a:lnRef idx="2">
-            <a:schemeClr val="accent1">
-              <a:shade val="50000"/>
-            </a:schemeClr>
-          </a:lnRef>
-          <a:fillRef idx="1">
-            <a:schemeClr val="accent1"/>
-          </a:fillRef>
-          <a:effectRef idx="0">
-            <a:schemeClr val="accent1"/>
-          </a:effectRef>
-          <a:fontRef idx="minor">
-            <a:schemeClr val="lt1"/>
-          </a:fontRef>
-        </p:style>
-        <p:txBody>
-          <a:bodyPr rtlCol="0" anchor="ctr"/>
-          <a:lstStyle/>
-          <a:p>
-            <a:pPr algn="ctr"/>
-            <a:endParaRPr lang="ko-KR" altLang="en-US"/>
-          </a:p>
-        </p:txBody>
-      </p:sp>
-      <p:sp>
-        <p:nvSpPr>
-          <p:cNvPr id="24" name="모서리가 둥근 직사각형 23"/>
-          <p:cNvSpPr/>
-          <p:nvPr/>
-        </p:nvSpPr>
-        <p:spPr>
-          <a:xfrm>
-            <a:off x="494313" y="5237685"/>
-            <a:ext cx="6703620" cy="1383794"/>
-          </a:xfrm>
-          <a:prstGeom prst="roundRect">
-            <a:avLst/>
-          </a:prstGeom>
-          <a:noFill/>
-          <a:ln>
-            <a:solidFill>
-              <a:schemeClr val="tx1"/>
-            </a:solidFill>
-          </a:ln>
-        </p:spPr>
-        <p:style>
-          <a:lnRef idx="2">
-            <a:schemeClr val="accent1">
-              <a:shade val="50000"/>
-            </a:schemeClr>
-          </a:lnRef>
-          <a:fillRef idx="1">
-            <a:schemeClr val="accent1"/>
-          </a:fillRef>
-          <a:effectRef idx="0">
-            <a:schemeClr val="accent1"/>
-          </a:effectRef>
-          <a:fontRef idx="minor">
-            <a:schemeClr val="lt1"/>
-          </a:fontRef>
-        </p:style>
-        <p:txBody>
-          <a:bodyPr rtlCol="0" anchor="ctr"/>
-          <a:lstStyle/>
-          <a:p>
-            <a:pPr algn="ctr"/>
-            <a:endParaRPr lang="ko-KR" altLang="en-US"/>
-          </a:p>
-        </p:txBody>
-      </p:sp>
-      <p:sp>
-        <p:nvSpPr>
-          <p:cNvPr id="25" name="TextBox 24"/>
-          <p:cNvSpPr txBox="1"/>
-          <p:nvPr/>
-        </p:nvSpPr>
-        <p:spPr>
-          <a:xfrm>
-            <a:off x="494312" y="1126956"/>
-            <a:ext cx="2261079" cy="307777"/>
-          </a:xfrm>
-          <a:prstGeom prst="rect">
-            <a:avLst/>
-          </a:prstGeom>
-          <a:noFill/>
-        </p:spPr>
-        <p:txBody>
-          <a:bodyPr wrap="square" rtlCol="0">
-            <a:spAutoFit/>
-          </a:bodyPr>
-          <a:lstStyle/>
-          <a:p>
-            <a:r>
-              <a:rPr lang="ko-KR" altLang="en-US" sz="1400" dirty="0" smtClean="0"/>
-              <a:t>숙소 이름</a:t>
-            </a:r>
-            <a:endParaRPr lang="ko-KR" altLang="en-US" sz="1400" dirty="0"/>
-          </a:p>
-        </p:txBody>
-      </p:sp>
-      <p:sp>
-        <p:nvSpPr>
-          <p:cNvPr id="26" name="TextBox 25"/>
-          <p:cNvSpPr txBox="1"/>
-          <p:nvPr/>
-        </p:nvSpPr>
-        <p:spPr>
-          <a:xfrm>
-            <a:off x="9227129" y="1896482"/>
-            <a:ext cx="2101931" cy="307777"/>
-          </a:xfrm>
-          <a:prstGeom prst="rect">
-            <a:avLst/>
-          </a:prstGeom>
-          <a:noFill/>
-        </p:spPr>
-        <p:txBody>
-          <a:bodyPr wrap="square" rtlCol="0">
-            <a:spAutoFit/>
-          </a:bodyPr>
-          <a:lstStyle/>
-          <a:p>
-            <a:r>
-              <a:rPr lang="en-US" altLang="ko-KR" sz="1400" dirty="0" smtClean="0"/>
-              <a:t>00</a:t>
-            </a:r>
-            <a:r>
-              <a:rPr lang="ko-KR" altLang="en-US" sz="1400" dirty="0" smtClean="0"/>
-              <a:t>월 </a:t>
-            </a:r>
-            <a:r>
-              <a:rPr lang="en-US" altLang="ko-KR" sz="1400" dirty="0" smtClean="0"/>
-              <a:t>00</a:t>
-            </a:r>
-            <a:r>
-              <a:rPr lang="ko-KR" altLang="en-US" sz="1400" dirty="0" smtClean="0"/>
-              <a:t>일 </a:t>
-            </a:r>
-            <a:r>
-              <a:rPr lang="en-US" altLang="ko-KR" sz="1400" dirty="0" smtClean="0"/>
-              <a:t>~ 00</a:t>
-            </a:r>
-            <a:r>
-              <a:rPr lang="ko-KR" altLang="en-US" sz="1400" dirty="0" smtClean="0"/>
-              <a:t>월 </a:t>
-            </a:r>
-            <a:r>
-              <a:rPr lang="en-US" altLang="ko-KR" sz="1400" dirty="0" smtClean="0"/>
-              <a:t>00</a:t>
-            </a:r>
-            <a:r>
-              <a:rPr lang="ko-KR" altLang="en-US" sz="1400" dirty="0" smtClean="0"/>
-              <a:t>일</a:t>
-            </a:r>
-            <a:endParaRPr lang="en-US" altLang="ko-KR" sz="1400" dirty="0" smtClean="0"/>
-          </a:p>
-        </p:txBody>
-      </p:sp>
-      <p:sp>
-        <p:nvSpPr>
-          <p:cNvPr id="27" name="TextBox 26"/>
-          <p:cNvSpPr txBox="1"/>
-          <p:nvPr/>
-        </p:nvSpPr>
-        <p:spPr>
-          <a:xfrm>
-            <a:off x="9227129" y="2285890"/>
-            <a:ext cx="2101931" cy="307777"/>
-          </a:xfrm>
-          <a:prstGeom prst="rect">
-            <a:avLst/>
-          </a:prstGeom>
-          <a:noFill/>
-        </p:spPr>
-        <p:txBody>
-          <a:bodyPr wrap="square" rtlCol="0">
-            <a:spAutoFit/>
-          </a:bodyPr>
-          <a:lstStyle/>
-          <a:p>
-            <a:pPr algn="r"/>
-            <a:r>
-              <a:rPr lang="en-US" altLang="ko-KR" sz="1400" dirty="0" smtClean="0"/>
-              <a:t>0</a:t>
-            </a:r>
-            <a:r>
-              <a:rPr lang="ko-KR" altLang="en-US" sz="1400" dirty="0" smtClean="0"/>
-              <a:t>박</a:t>
-            </a:r>
-            <a:endParaRPr lang="en-US" altLang="ko-KR" sz="1400" dirty="0" smtClean="0"/>
-          </a:p>
-        </p:txBody>
-      </p:sp>
-      <p:sp>
-        <p:nvSpPr>
-          <p:cNvPr id="28" name="TextBox 27"/>
-          <p:cNvSpPr txBox="1"/>
-          <p:nvPr/>
-        </p:nvSpPr>
-        <p:spPr>
-          <a:xfrm>
-            <a:off x="9227129" y="3693559"/>
-            <a:ext cx="2101931" cy="307777"/>
-          </a:xfrm>
-          <a:prstGeom prst="rect">
-            <a:avLst/>
-          </a:prstGeom>
-          <a:noFill/>
-        </p:spPr>
-        <p:txBody>
-          <a:bodyPr wrap="square" rtlCol="0">
-            <a:spAutoFit/>
-          </a:bodyPr>
-          <a:lstStyle/>
-          <a:p>
-            <a:pPr algn="r"/>
-            <a:r>
-              <a:rPr lang="ko-KR" altLang="en-US" sz="1400" dirty="0" smtClean="0"/>
-              <a:t>총</a:t>
-            </a:r>
-            <a:r>
-              <a:rPr lang="en-US" altLang="ko-KR" sz="1400" dirty="0"/>
-              <a:t> </a:t>
-            </a:r>
-            <a:r>
-              <a:rPr lang="en-US" altLang="ko-KR" sz="1400" dirty="0" smtClean="0"/>
-              <a:t>n </a:t>
-            </a:r>
-            <a:r>
-              <a:rPr lang="ko-KR" altLang="en-US" sz="1400" dirty="0" smtClean="0"/>
-              <a:t>원</a:t>
-            </a:r>
-            <a:endParaRPr lang="en-US" altLang="ko-KR" sz="1400" dirty="0" smtClean="0"/>
-          </a:p>
-        </p:txBody>
-      </p:sp>
-      <p:sp>
-        <p:nvSpPr>
-          <p:cNvPr id="29" name="모서리가 둥근 직사각형 28"/>
-          <p:cNvSpPr/>
-          <p:nvPr/>
-        </p:nvSpPr>
-        <p:spPr>
-          <a:xfrm>
-            <a:off x="9417134" y="4263418"/>
-            <a:ext cx="1745673" cy="588998"/>
-          </a:xfrm>
-          <a:prstGeom prst="roundRect">
-            <a:avLst/>
-          </a:prstGeom>
-        </p:spPr>
-        <p:style>
-          <a:lnRef idx="2">
-            <a:schemeClr val="accent1">
-              <a:shade val="50000"/>
-            </a:schemeClr>
-          </a:lnRef>
-          <a:fillRef idx="1">
-            <a:schemeClr val="accent1"/>
-          </a:fillRef>
-          <a:effectRef idx="0">
-            <a:schemeClr val="accent1"/>
-          </a:effectRef>
-          <a:fontRef idx="minor">
-            <a:schemeClr val="lt1"/>
-          </a:fontRef>
-        </p:style>
-        <p:txBody>
-          <a:bodyPr rtlCol="0" anchor="ctr"/>
-          <a:lstStyle/>
-          <a:p>
-            <a:pPr algn="ctr"/>
-            <a:endParaRPr lang="ko-KR" altLang="en-US"/>
-          </a:p>
-        </p:txBody>
-      </p:sp>
-      <p:sp>
-        <p:nvSpPr>
-          <p:cNvPr id="30" name="TextBox 29"/>
-          <p:cNvSpPr txBox="1"/>
-          <p:nvPr/>
-        </p:nvSpPr>
-        <p:spPr>
-          <a:xfrm>
-            <a:off x="9430493" y="4397394"/>
-            <a:ext cx="1732314" cy="307777"/>
-          </a:xfrm>
-          <a:prstGeom prst="rect">
-            <a:avLst/>
-          </a:prstGeom>
-          <a:noFill/>
-        </p:spPr>
-        <p:txBody>
-          <a:bodyPr wrap="square" rtlCol="0">
-            <a:spAutoFit/>
-          </a:bodyPr>
-          <a:lstStyle/>
-          <a:p>
-            <a:pPr algn="ctr"/>
-            <a:r>
-              <a:rPr lang="ko-KR" altLang="en-US" sz="1400" smtClean="0"/>
-              <a:t>결제하기</a:t>
-            </a:r>
-            <a:endParaRPr lang="en-US" altLang="ko-KR" sz="1400" dirty="0" smtClean="0"/>
-          </a:p>
-        </p:txBody>
-      </p:sp>
-      <p:sp>
-        <p:nvSpPr>
-          <p:cNvPr id="31" name="TextBox 30"/>
-          <p:cNvSpPr txBox="1"/>
-          <p:nvPr/>
-        </p:nvSpPr>
-        <p:spPr>
-          <a:xfrm>
-            <a:off x="4023351" y="337496"/>
-            <a:ext cx="2261079" cy="307777"/>
-          </a:xfrm>
-          <a:prstGeom prst="rect">
-            <a:avLst/>
-          </a:prstGeom>
-          <a:noFill/>
-        </p:spPr>
-        <p:txBody>
-          <a:bodyPr wrap="square" rtlCol="0">
-            <a:spAutoFit/>
-          </a:bodyPr>
-          <a:lstStyle/>
-          <a:p>
-            <a:r>
-              <a:rPr lang="en-US" altLang="ko-KR" sz="1400" dirty="0" smtClean="0"/>
-              <a:t>Search</a:t>
-            </a:r>
-            <a:endParaRPr lang="ko-KR" altLang="en-US" sz="1400" dirty="0"/>
-          </a:p>
-        </p:txBody>
-      </p:sp>
-      <p:sp>
-        <p:nvSpPr>
-          <p:cNvPr id="34" name="모서리가 둥근 직사각형 33"/>
-          <p:cNvSpPr/>
-          <p:nvPr/>
-        </p:nvSpPr>
-        <p:spPr>
-          <a:xfrm>
-            <a:off x="10541958" y="188222"/>
-            <a:ext cx="1394010" cy="586344"/>
-          </a:xfrm>
-          <a:prstGeom prst="roundRect">
-            <a:avLst/>
-          </a:prstGeom>
-        </p:spPr>
-        <p:style>
-          <a:lnRef idx="2">
-            <a:schemeClr val="accent1">
-              <a:shade val="50000"/>
-            </a:schemeClr>
-          </a:lnRef>
-          <a:fillRef idx="1">
-            <a:schemeClr val="accent1"/>
-          </a:fillRef>
-          <a:effectRef idx="0">
-            <a:schemeClr val="accent1"/>
-          </a:effectRef>
-          <a:fontRef idx="minor">
-            <a:schemeClr val="lt1"/>
-          </a:fontRef>
-        </p:style>
-        <p:txBody>
-          <a:bodyPr rtlCol="0" anchor="ctr"/>
-          <a:lstStyle/>
-          <a:p>
-            <a:pPr algn="ctr"/>
-            <a:endParaRPr lang="ko-KR" altLang="en-US"/>
-          </a:p>
-        </p:txBody>
-      </p:sp>
-      <p:sp>
-        <p:nvSpPr>
-          <p:cNvPr id="35" name="TextBox 34"/>
-          <p:cNvSpPr txBox="1"/>
-          <p:nvPr/>
-        </p:nvSpPr>
-        <p:spPr>
-          <a:xfrm>
-            <a:off x="10377366" y="295686"/>
-            <a:ext cx="1723194" cy="369332"/>
-          </a:xfrm>
-          <a:prstGeom prst="rect">
-            <a:avLst/>
-          </a:prstGeom>
-          <a:noFill/>
-        </p:spPr>
-        <p:txBody>
-          <a:bodyPr wrap="square" rtlCol="0">
-            <a:spAutoFit/>
-          </a:bodyPr>
-          <a:lstStyle/>
-          <a:p>
             <a:pPr algn="ctr"/>
             <a:r>
               <a:rPr lang="en-US" altLang="ko-KR" dirty="0" smtClean="0"/>
@@ -5409,7 +4685,7 @@
     </p:spTree>
     <p:extLst>
       <p:ext uri="{BB962C8B-B14F-4D97-AF65-F5344CB8AC3E}">
-        <p14:creationId xmlns:p14="http://schemas.microsoft.com/office/powerpoint/2010/main" val="739121585"/>
+        <p14:creationId xmlns:p14="http://schemas.microsoft.com/office/powerpoint/2010/main" val="117658968"/>
       </p:ext>
     </p:extLst>
   </p:cSld>
@@ -5515,8 +4791,8 @@
         </p:nvSpPr>
         <p:spPr>
           <a:xfrm>
-            <a:off x="3413760" y="2015097"/>
-            <a:ext cx="4864608" cy="536448"/>
+            <a:off x="3918858" y="208418"/>
+            <a:ext cx="3135085" cy="522515"/>
           </a:xfrm>
           <a:prstGeom prst="roundRect">
             <a:avLst/>
@@ -5549,19 +4825,24 @@
       </p:sp>
       <p:sp>
         <p:nvSpPr>
-          <p:cNvPr id="10" name="TextBox 9"/>
+          <p:cNvPr id="7" name="TextBox 6"/>
           <p:cNvSpPr txBox="1"/>
           <p:nvPr/>
         </p:nvSpPr>
         <p:spPr>
           <a:xfrm>
-            <a:off x="3413760" y="1645765"/>
-            <a:ext cx="4528615" cy="369332"/>
+            <a:off x="534390" y="5237685"/>
+            <a:ext cx="3503220" cy="1384995"/>
           </a:xfrm>
           <a:prstGeom prst="rect">
             <a:avLst/>
           </a:prstGeom>
           <a:noFill/>
+          <a:ln>
+            <a:solidFill>
+              <a:schemeClr val="bg1"/>
+            </a:solidFill>
+          </a:ln>
         </p:spPr>
         <p:txBody>
           <a:bodyPr wrap="square" rtlCol="0">
@@ -5570,13 +4851,86 @@
           <a:lstStyle/>
           <a:p>
             <a:r>
-              <a:rPr lang="en-US" altLang="ko-KR" dirty="0" smtClean="0"/>
-              <a:t>ID</a:t>
-            </a:r>
-            <a:endParaRPr lang="ko-KR" altLang="en-US" dirty="0"/>
-          </a:p>
-        </p:txBody>
-      </p:sp>
+              <a:rPr lang="ko-KR" altLang="en-US" sz="1400" dirty="0" smtClean="0"/>
+              <a:t>주변 자연 경관 및 관광 명소 소개</a:t>
+            </a:r>
+            <a:endParaRPr lang="en-US" altLang="ko-KR" sz="1400" dirty="0" smtClean="0"/>
+          </a:p>
+          <a:p>
+            <a:endParaRPr lang="en-US" altLang="ko-KR" sz="1400" dirty="0"/>
+          </a:p>
+          <a:p>
+            <a:r>
+              <a:rPr lang="ko-KR" altLang="en-US" sz="1400" dirty="0" smtClean="0"/>
+              <a:t>숙소의 특색 설명</a:t>
+            </a:r>
+            <a:endParaRPr lang="en-US" altLang="ko-KR" sz="1400" dirty="0" smtClean="0"/>
+          </a:p>
+          <a:p>
+            <a:endParaRPr lang="en-US" altLang="ko-KR" sz="1400" dirty="0" smtClean="0"/>
+          </a:p>
+          <a:p>
+            <a:endParaRPr lang="en-US" altLang="ko-KR" sz="1400" dirty="0"/>
+          </a:p>
+          <a:p>
+            <a:endParaRPr lang="ko-KR" altLang="en-US" sz="1400" dirty="0"/>
+          </a:p>
+        </p:txBody>
+      </p:sp>
+      <p:cxnSp>
+        <p:nvCxnSpPr>
+          <p:cNvPr id="9" name="직선 연결선 8"/>
+          <p:cNvCxnSpPr/>
+          <p:nvPr/>
+        </p:nvCxnSpPr>
+        <p:spPr>
+          <a:xfrm>
+            <a:off x="534390" y="1021278"/>
+            <a:ext cx="10794670" cy="0"/>
+          </a:xfrm>
+          <a:prstGeom prst="line">
+            <a:avLst/>
+          </a:prstGeom>
+        </p:spPr>
+        <p:style>
+          <a:lnRef idx="1">
+            <a:schemeClr val="accent1"/>
+          </a:lnRef>
+          <a:fillRef idx="0">
+            <a:schemeClr val="accent1"/>
+          </a:fillRef>
+          <a:effectRef idx="0">
+            <a:schemeClr val="accent1"/>
+          </a:effectRef>
+          <a:fontRef idx="minor">
+            <a:schemeClr val="tx1"/>
+          </a:fontRef>
+        </p:style>
+      </p:cxnSp>
+      <p:pic>
+        <p:nvPicPr>
+          <p:cNvPr id="10" name="그림 9"/>
+          <p:cNvPicPr>
+            <a:picLocks noChangeAspect="1"/>
+          </p:cNvPicPr>
+          <p:nvPr/>
+        </p:nvPicPr>
+        <p:blipFill>
+          <a:blip r:embed="rId2"/>
+          <a:stretch>
+            <a:fillRect/>
+          </a:stretch>
+        </p:blipFill>
+        <p:spPr>
+          <a:xfrm>
+            <a:off x="534390" y="1601968"/>
+            <a:ext cx="2624446" cy="3499261"/>
+          </a:xfrm>
+          <a:prstGeom prst="rect">
+            <a:avLst/>
+          </a:prstGeom>
+        </p:spPr>
+      </p:pic>
       <p:sp>
         <p:nvSpPr>
           <p:cNvPr id="11" name="모서리가 둥근 직사각형 10"/>
@@ -5585,8 +4939,8 @@
         </p:nvSpPr>
         <p:spPr>
           <a:xfrm>
-            <a:off x="3413760" y="3112377"/>
-            <a:ext cx="4864608" cy="536448"/>
+            <a:off x="3402281" y="1601968"/>
+            <a:ext cx="1751610" cy="1675622"/>
           </a:xfrm>
           <a:prstGeom prst="roundRect">
             <a:avLst/>
@@ -5619,14 +4973,14 @@
       </p:sp>
       <p:sp>
         <p:nvSpPr>
-          <p:cNvPr id="12" name="모서리가 둥근 직사각형 11"/>
+          <p:cNvPr id="15" name="모서리가 둥근 직사각형 14"/>
           <p:cNvSpPr/>
           <p:nvPr/>
         </p:nvSpPr>
         <p:spPr>
           <a:xfrm>
-            <a:off x="3413760" y="4072128"/>
-            <a:ext cx="1499616" cy="536448"/>
+            <a:off x="3402281" y="3425607"/>
+            <a:ext cx="1751610" cy="1675622"/>
           </a:xfrm>
           <a:prstGeom prst="roundRect">
             <a:avLst/>
@@ -5659,79 +5013,18 @@
       </p:sp>
       <p:sp>
         <p:nvSpPr>
-          <p:cNvPr id="13" name="TextBox 12"/>
-          <p:cNvSpPr txBox="1"/>
-          <p:nvPr/>
-        </p:nvSpPr>
-        <p:spPr>
-          <a:xfrm>
-            <a:off x="3413760" y="2647295"/>
-            <a:ext cx="4528615" cy="369332"/>
-          </a:xfrm>
-          <a:prstGeom prst="rect">
-            <a:avLst/>
-          </a:prstGeom>
-          <a:noFill/>
-        </p:spPr>
-        <p:txBody>
-          <a:bodyPr wrap="square" rtlCol="0">
-            <a:spAutoFit/>
-          </a:bodyPr>
-          <a:lstStyle/>
-          <a:p>
-            <a:r>
-              <a:rPr lang="en-US" altLang="ko-KR" dirty="0" smtClean="0"/>
-              <a:t>PASSWORD</a:t>
-            </a:r>
-            <a:endParaRPr lang="ko-KR" altLang="en-US" dirty="0"/>
-          </a:p>
-        </p:txBody>
-      </p:sp>
-      <p:sp>
-        <p:nvSpPr>
-          <p:cNvPr id="14" name="TextBox 13"/>
-          <p:cNvSpPr txBox="1"/>
-          <p:nvPr/>
-        </p:nvSpPr>
-        <p:spPr>
-          <a:xfrm>
-            <a:off x="3413760" y="4155686"/>
-            <a:ext cx="4528615" cy="369332"/>
-          </a:xfrm>
-          <a:prstGeom prst="rect">
-            <a:avLst/>
-          </a:prstGeom>
-          <a:noFill/>
-        </p:spPr>
-        <p:txBody>
-          <a:bodyPr wrap="square" rtlCol="0">
-            <a:spAutoFit/>
-          </a:bodyPr>
-          <a:lstStyle/>
-          <a:p>
-            <a:r>
-              <a:rPr lang="en-US" altLang="ko-KR" dirty="0" smtClean="0"/>
-              <a:t>Sign up now</a:t>
-            </a:r>
-            <a:endParaRPr lang="ko-KR" altLang="en-US" dirty="0"/>
-          </a:p>
-        </p:txBody>
-      </p:sp>
-      <p:sp>
-        <p:nvSpPr>
-          <p:cNvPr id="15" name="모서리가 둥근 직사각형 14"/>
+          <p:cNvPr id="16" name="모서리가 둥근 직사각형 15"/>
           <p:cNvSpPr/>
           <p:nvPr/>
         </p:nvSpPr>
         <p:spPr>
           <a:xfrm>
-            <a:off x="1914144" y="841248"/>
-            <a:ext cx="7827264" cy="4486656"/>
+            <a:off x="5486400" y="3425607"/>
+            <a:ext cx="1751610" cy="1675622"/>
           </a:xfrm>
           <a:prstGeom prst="roundRect">
             <a:avLst/>
           </a:prstGeom>
-          <a:noFill/>
         </p:spPr>
         <p:style>
           <a:lnRef idx="2">
@@ -5758,10 +5051,653 @@
           </a:p>
         </p:txBody>
       </p:sp>
+      <p:sp>
+        <p:nvSpPr>
+          <p:cNvPr id="17" name="모서리가 둥근 직사각형 16"/>
+          <p:cNvSpPr/>
+          <p:nvPr/>
+        </p:nvSpPr>
+        <p:spPr>
+          <a:xfrm>
+            <a:off x="5486400" y="1601968"/>
+            <a:ext cx="1751610" cy="1675622"/>
+          </a:xfrm>
+          <a:prstGeom prst="roundRect">
+            <a:avLst/>
+          </a:prstGeom>
+        </p:spPr>
+        <p:style>
+          <a:lnRef idx="2">
+            <a:schemeClr val="accent1">
+              <a:shade val="50000"/>
+            </a:schemeClr>
+          </a:lnRef>
+          <a:fillRef idx="1">
+            <a:schemeClr val="accent1"/>
+          </a:fillRef>
+          <a:effectRef idx="0">
+            <a:schemeClr val="accent1"/>
+          </a:effectRef>
+          <a:fontRef idx="minor">
+            <a:schemeClr val="lt1"/>
+          </a:fontRef>
+        </p:style>
+        <p:txBody>
+          <a:bodyPr rtlCol="0" anchor="ctr"/>
+          <a:lstStyle/>
+          <a:p>
+            <a:pPr algn="ctr"/>
+            <a:endParaRPr lang="ko-KR" altLang="en-US"/>
+          </a:p>
+        </p:txBody>
+      </p:sp>
+      <p:sp>
+        <p:nvSpPr>
+          <p:cNvPr id="18" name="TextBox 17"/>
+          <p:cNvSpPr txBox="1"/>
+          <p:nvPr/>
+        </p:nvSpPr>
+        <p:spPr>
+          <a:xfrm>
+            <a:off x="7422079" y="1607797"/>
+            <a:ext cx="1472540" cy="307777"/>
+          </a:xfrm>
+          <a:prstGeom prst="rect">
+            <a:avLst/>
+          </a:prstGeom>
+          <a:noFill/>
+        </p:spPr>
+        <p:txBody>
+          <a:bodyPr wrap="square" rtlCol="0">
+            <a:spAutoFit/>
+          </a:bodyPr>
+          <a:lstStyle/>
+          <a:p>
+            <a:r>
+              <a:rPr lang="ko-KR" altLang="en-US" sz="1400" dirty="0" smtClean="0"/>
+              <a:t>편의 시설 설명</a:t>
+            </a:r>
+            <a:endParaRPr lang="ko-KR" altLang="en-US" sz="1400" dirty="0"/>
+          </a:p>
+        </p:txBody>
+      </p:sp>
+      <p:sp>
+        <p:nvSpPr>
+          <p:cNvPr id="19" name="TextBox 18"/>
+          <p:cNvSpPr txBox="1"/>
+          <p:nvPr/>
+        </p:nvSpPr>
+        <p:spPr>
+          <a:xfrm>
+            <a:off x="7422079" y="1915574"/>
+            <a:ext cx="1472540" cy="3323987"/>
+          </a:xfrm>
+          <a:prstGeom prst="rect">
+            <a:avLst/>
+          </a:prstGeom>
+          <a:noFill/>
+          <a:ln>
+            <a:solidFill>
+              <a:schemeClr val="bg1"/>
+            </a:solidFill>
+          </a:ln>
+        </p:spPr>
+        <p:txBody>
+          <a:bodyPr wrap="square" rtlCol="0">
+            <a:spAutoFit/>
+          </a:bodyPr>
+          <a:lstStyle/>
+          <a:p>
+            <a:r>
+              <a:rPr lang="ko-KR" altLang="en-US" sz="1400" dirty="0" smtClean="0"/>
+              <a:t>침대 수 </a:t>
+            </a:r>
+            <a:r>
+              <a:rPr lang="en-US" altLang="ko-KR" sz="1400" dirty="0" smtClean="0"/>
+              <a:t>: N	</a:t>
+            </a:r>
+          </a:p>
+          <a:p>
+            <a:endParaRPr lang="en-US" altLang="ko-KR" sz="1400" dirty="0"/>
+          </a:p>
+          <a:p>
+            <a:r>
+              <a:rPr lang="ko-KR" altLang="en-US" sz="1400" dirty="0" smtClean="0"/>
+              <a:t>바비큐</a:t>
+            </a:r>
+            <a:endParaRPr lang="en-US" altLang="ko-KR" sz="1400" dirty="0" smtClean="0"/>
+          </a:p>
+          <a:p>
+            <a:endParaRPr lang="en-US" altLang="ko-KR" sz="1400" dirty="0"/>
+          </a:p>
+          <a:p>
+            <a:r>
+              <a:rPr lang="ko-KR" altLang="en-US" sz="1400" dirty="0" smtClean="0"/>
+              <a:t>방갈로</a:t>
+            </a:r>
+            <a:endParaRPr lang="en-US" altLang="ko-KR" sz="1400" dirty="0" smtClean="0"/>
+          </a:p>
+          <a:p>
+            <a:endParaRPr lang="en-US" altLang="ko-KR" sz="1400" dirty="0"/>
+          </a:p>
+          <a:p>
+            <a:r>
+              <a:rPr lang="ko-KR" altLang="en-US" sz="1400" dirty="0" smtClean="0"/>
+              <a:t>테라스</a:t>
+            </a:r>
+            <a:endParaRPr lang="en-US" altLang="ko-KR" sz="1400" dirty="0" smtClean="0"/>
+          </a:p>
+          <a:p>
+            <a:endParaRPr lang="en-US" altLang="ko-KR" sz="1400" dirty="0"/>
+          </a:p>
+          <a:p>
+            <a:r>
+              <a:rPr lang="ko-KR" altLang="en-US" sz="1400" dirty="0" smtClean="0"/>
+              <a:t>수영장</a:t>
+            </a:r>
+            <a:endParaRPr lang="en-US" altLang="ko-KR" sz="1400" dirty="0" smtClean="0"/>
+          </a:p>
+          <a:p>
+            <a:endParaRPr lang="en-US" altLang="ko-KR" sz="1400" dirty="0"/>
+          </a:p>
+          <a:p>
+            <a:r>
+              <a:rPr lang="ko-KR" altLang="en-US" sz="1400" dirty="0" smtClean="0"/>
+              <a:t>수건 지급</a:t>
+            </a:r>
+            <a:endParaRPr lang="en-US" altLang="ko-KR" sz="1400" dirty="0" smtClean="0"/>
+          </a:p>
+          <a:p>
+            <a:endParaRPr lang="en-US" altLang="ko-KR" sz="1400" dirty="0"/>
+          </a:p>
+          <a:p>
+            <a:endParaRPr lang="en-US" altLang="ko-KR" sz="1400" dirty="0" smtClean="0"/>
+          </a:p>
+          <a:p>
+            <a:endParaRPr lang="en-US" altLang="ko-KR" sz="1400" dirty="0"/>
+          </a:p>
+          <a:p>
+            <a:endParaRPr lang="en-US" altLang="ko-KR" sz="1400" dirty="0" smtClean="0"/>
+          </a:p>
+        </p:txBody>
+      </p:sp>
+      <p:sp>
+        <p:nvSpPr>
+          <p:cNvPr id="20" name="모서리가 둥근 직사각형 19"/>
+          <p:cNvSpPr/>
+          <p:nvPr/>
+        </p:nvSpPr>
+        <p:spPr>
+          <a:xfrm>
+            <a:off x="9227129" y="1607748"/>
+            <a:ext cx="2101932" cy="3493481"/>
+          </a:xfrm>
+          <a:prstGeom prst="roundRect">
+            <a:avLst/>
+          </a:prstGeom>
+          <a:solidFill>
+            <a:srgbClr val="DC94D9"/>
+          </a:solidFill>
+        </p:spPr>
+        <p:style>
+          <a:lnRef idx="2">
+            <a:schemeClr val="accent1">
+              <a:shade val="50000"/>
+            </a:schemeClr>
+          </a:lnRef>
+          <a:fillRef idx="1">
+            <a:schemeClr val="accent1"/>
+          </a:fillRef>
+          <a:effectRef idx="0">
+            <a:schemeClr val="accent1"/>
+          </a:effectRef>
+          <a:fontRef idx="minor">
+            <a:schemeClr val="lt1"/>
+          </a:fontRef>
+        </p:style>
+        <p:txBody>
+          <a:bodyPr rtlCol="0" anchor="ctr"/>
+          <a:lstStyle/>
+          <a:p>
+            <a:pPr algn="ctr"/>
+            <a:endParaRPr lang="ko-KR" altLang="en-US"/>
+          </a:p>
+        </p:txBody>
+      </p:sp>
+      <p:sp>
+        <p:nvSpPr>
+          <p:cNvPr id="21" name="모서리가 둥근 직사각형 20"/>
+          <p:cNvSpPr/>
+          <p:nvPr/>
+        </p:nvSpPr>
+        <p:spPr>
+          <a:xfrm>
+            <a:off x="7346373" y="1607748"/>
+            <a:ext cx="1772392" cy="3493481"/>
+          </a:xfrm>
+          <a:prstGeom prst="roundRect">
+            <a:avLst/>
+          </a:prstGeom>
+          <a:noFill/>
+          <a:ln>
+            <a:solidFill>
+              <a:schemeClr val="tx1"/>
+            </a:solidFill>
+          </a:ln>
+        </p:spPr>
+        <p:style>
+          <a:lnRef idx="2">
+            <a:schemeClr val="accent1">
+              <a:shade val="50000"/>
+            </a:schemeClr>
+          </a:lnRef>
+          <a:fillRef idx="1">
+            <a:schemeClr val="accent1"/>
+          </a:fillRef>
+          <a:effectRef idx="0">
+            <a:schemeClr val="accent1"/>
+          </a:effectRef>
+          <a:fontRef idx="minor">
+            <a:schemeClr val="lt1"/>
+          </a:fontRef>
+        </p:style>
+        <p:txBody>
+          <a:bodyPr rtlCol="0" anchor="ctr"/>
+          <a:lstStyle/>
+          <a:p>
+            <a:pPr algn="ctr"/>
+            <a:endParaRPr lang="ko-KR" altLang="en-US"/>
+          </a:p>
+        </p:txBody>
+      </p:sp>
+      <p:sp>
+        <p:nvSpPr>
+          <p:cNvPr id="24" name="모서리가 둥근 직사각형 23"/>
+          <p:cNvSpPr/>
+          <p:nvPr/>
+        </p:nvSpPr>
+        <p:spPr>
+          <a:xfrm>
+            <a:off x="494313" y="5237685"/>
+            <a:ext cx="6703620" cy="1383794"/>
+          </a:xfrm>
+          <a:prstGeom prst="roundRect">
+            <a:avLst/>
+          </a:prstGeom>
+          <a:noFill/>
+          <a:ln>
+            <a:solidFill>
+              <a:schemeClr val="tx1"/>
+            </a:solidFill>
+          </a:ln>
+        </p:spPr>
+        <p:style>
+          <a:lnRef idx="2">
+            <a:schemeClr val="accent1">
+              <a:shade val="50000"/>
+            </a:schemeClr>
+          </a:lnRef>
+          <a:fillRef idx="1">
+            <a:schemeClr val="accent1"/>
+          </a:fillRef>
+          <a:effectRef idx="0">
+            <a:schemeClr val="accent1"/>
+          </a:effectRef>
+          <a:fontRef idx="minor">
+            <a:schemeClr val="lt1"/>
+          </a:fontRef>
+        </p:style>
+        <p:txBody>
+          <a:bodyPr rtlCol="0" anchor="ctr"/>
+          <a:lstStyle/>
+          <a:p>
+            <a:pPr algn="ctr"/>
+            <a:endParaRPr lang="ko-KR" altLang="en-US"/>
+          </a:p>
+        </p:txBody>
+      </p:sp>
+      <p:sp>
+        <p:nvSpPr>
+          <p:cNvPr id="25" name="TextBox 24"/>
+          <p:cNvSpPr txBox="1"/>
+          <p:nvPr/>
+        </p:nvSpPr>
+        <p:spPr>
+          <a:xfrm>
+            <a:off x="494312" y="1126956"/>
+            <a:ext cx="2261079" cy="307777"/>
+          </a:xfrm>
+          <a:prstGeom prst="rect">
+            <a:avLst/>
+          </a:prstGeom>
+          <a:noFill/>
+        </p:spPr>
+        <p:txBody>
+          <a:bodyPr wrap="square" rtlCol="0">
+            <a:spAutoFit/>
+          </a:bodyPr>
+          <a:lstStyle/>
+          <a:p>
+            <a:r>
+              <a:rPr lang="ko-KR" altLang="en-US" sz="1400" dirty="0" smtClean="0"/>
+              <a:t>숙소 이름</a:t>
+            </a:r>
+            <a:endParaRPr lang="ko-KR" altLang="en-US" sz="1400" dirty="0"/>
+          </a:p>
+        </p:txBody>
+      </p:sp>
+      <p:sp>
+        <p:nvSpPr>
+          <p:cNvPr id="26" name="TextBox 25"/>
+          <p:cNvSpPr txBox="1"/>
+          <p:nvPr/>
+        </p:nvSpPr>
+        <p:spPr>
+          <a:xfrm>
+            <a:off x="9227129" y="1896482"/>
+            <a:ext cx="2101931" cy="307777"/>
+          </a:xfrm>
+          <a:prstGeom prst="rect">
+            <a:avLst/>
+          </a:prstGeom>
+          <a:noFill/>
+        </p:spPr>
+        <p:txBody>
+          <a:bodyPr wrap="square" rtlCol="0">
+            <a:spAutoFit/>
+          </a:bodyPr>
+          <a:lstStyle/>
+          <a:p>
+            <a:r>
+              <a:rPr lang="en-US" altLang="ko-KR" sz="1400" dirty="0" smtClean="0"/>
+              <a:t>00</a:t>
+            </a:r>
+            <a:r>
+              <a:rPr lang="ko-KR" altLang="en-US" sz="1400" dirty="0" smtClean="0"/>
+              <a:t>월 </a:t>
+            </a:r>
+            <a:r>
+              <a:rPr lang="en-US" altLang="ko-KR" sz="1400" dirty="0" smtClean="0"/>
+              <a:t>00</a:t>
+            </a:r>
+            <a:r>
+              <a:rPr lang="ko-KR" altLang="en-US" sz="1400" dirty="0" smtClean="0"/>
+              <a:t>일 </a:t>
+            </a:r>
+            <a:r>
+              <a:rPr lang="en-US" altLang="ko-KR" sz="1400" dirty="0" smtClean="0"/>
+              <a:t>~ 00</a:t>
+            </a:r>
+            <a:r>
+              <a:rPr lang="ko-KR" altLang="en-US" sz="1400" dirty="0" smtClean="0"/>
+              <a:t>월 </a:t>
+            </a:r>
+            <a:r>
+              <a:rPr lang="en-US" altLang="ko-KR" sz="1400" dirty="0" smtClean="0"/>
+              <a:t>00</a:t>
+            </a:r>
+            <a:r>
+              <a:rPr lang="ko-KR" altLang="en-US" sz="1400" dirty="0" smtClean="0"/>
+              <a:t>일</a:t>
+            </a:r>
+            <a:endParaRPr lang="en-US" altLang="ko-KR" sz="1400" dirty="0" smtClean="0"/>
+          </a:p>
+        </p:txBody>
+      </p:sp>
+      <p:sp>
+        <p:nvSpPr>
+          <p:cNvPr id="27" name="TextBox 26"/>
+          <p:cNvSpPr txBox="1"/>
+          <p:nvPr/>
+        </p:nvSpPr>
+        <p:spPr>
+          <a:xfrm>
+            <a:off x="9227129" y="2285890"/>
+            <a:ext cx="2101931" cy="307777"/>
+          </a:xfrm>
+          <a:prstGeom prst="rect">
+            <a:avLst/>
+          </a:prstGeom>
+          <a:noFill/>
+        </p:spPr>
+        <p:txBody>
+          <a:bodyPr wrap="square" rtlCol="0">
+            <a:spAutoFit/>
+          </a:bodyPr>
+          <a:lstStyle/>
+          <a:p>
+            <a:pPr algn="r"/>
+            <a:r>
+              <a:rPr lang="en-US" altLang="ko-KR" sz="1400" dirty="0" smtClean="0"/>
+              <a:t>0</a:t>
+            </a:r>
+            <a:r>
+              <a:rPr lang="ko-KR" altLang="en-US" sz="1400" dirty="0" smtClean="0"/>
+              <a:t>박</a:t>
+            </a:r>
+            <a:endParaRPr lang="en-US" altLang="ko-KR" sz="1400" dirty="0" smtClean="0"/>
+          </a:p>
+        </p:txBody>
+      </p:sp>
+      <p:sp>
+        <p:nvSpPr>
+          <p:cNvPr id="28" name="TextBox 27"/>
+          <p:cNvSpPr txBox="1"/>
+          <p:nvPr/>
+        </p:nvSpPr>
+        <p:spPr>
+          <a:xfrm>
+            <a:off x="9227129" y="3693559"/>
+            <a:ext cx="2101931" cy="307777"/>
+          </a:xfrm>
+          <a:prstGeom prst="rect">
+            <a:avLst/>
+          </a:prstGeom>
+          <a:noFill/>
+        </p:spPr>
+        <p:txBody>
+          <a:bodyPr wrap="square" rtlCol="0">
+            <a:spAutoFit/>
+          </a:bodyPr>
+          <a:lstStyle/>
+          <a:p>
+            <a:pPr algn="r"/>
+            <a:r>
+              <a:rPr lang="ko-KR" altLang="en-US" sz="1400" dirty="0" smtClean="0"/>
+              <a:t>총</a:t>
+            </a:r>
+            <a:r>
+              <a:rPr lang="en-US" altLang="ko-KR" sz="1400" dirty="0"/>
+              <a:t> </a:t>
+            </a:r>
+            <a:r>
+              <a:rPr lang="en-US" altLang="ko-KR" sz="1400" dirty="0" smtClean="0"/>
+              <a:t>n </a:t>
+            </a:r>
+            <a:r>
+              <a:rPr lang="ko-KR" altLang="en-US" sz="1400" dirty="0" smtClean="0"/>
+              <a:t>원</a:t>
+            </a:r>
+            <a:endParaRPr lang="en-US" altLang="ko-KR" sz="1400" dirty="0" smtClean="0"/>
+          </a:p>
+        </p:txBody>
+      </p:sp>
+      <p:sp>
+        <p:nvSpPr>
+          <p:cNvPr id="29" name="모서리가 둥근 직사각형 28"/>
+          <p:cNvSpPr/>
+          <p:nvPr/>
+        </p:nvSpPr>
+        <p:spPr>
+          <a:xfrm>
+            <a:off x="9417134" y="4263418"/>
+            <a:ext cx="1745673" cy="588998"/>
+          </a:xfrm>
+          <a:prstGeom prst="roundRect">
+            <a:avLst/>
+          </a:prstGeom>
+        </p:spPr>
+        <p:style>
+          <a:lnRef idx="2">
+            <a:schemeClr val="accent1">
+              <a:shade val="50000"/>
+            </a:schemeClr>
+          </a:lnRef>
+          <a:fillRef idx="1">
+            <a:schemeClr val="accent1"/>
+          </a:fillRef>
+          <a:effectRef idx="0">
+            <a:schemeClr val="accent1"/>
+          </a:effectRef>
+          <a:fontRef idx="minor">
+            <a:schemeClr val="lt1"/>
+          </a:fontRef>
+        </p:style>
+        <p:txBody>
+          <a:bodyPr rtlCol="0" anchor="ctr"/>
+          <a:lstStyle/>
+          <a:p>
+            <a:pPr algn="ctr"/>
+            <a:endParaRPr lang="ko-KR" altLang="en-US"/>
+          </a:p>
+        </p:txBody>
+      </p:sp>
+      <p:sp>
+        <p:nvSpPr>
+          <p:cNvPr id="30" name="TextBox 29"/>
+          <p:cNvSpPr txBox="1"/>
+          <p:nvPr/>
+        </p:nvSpPr>
+        <p:spPr>
+          <a:xfrm>
+            <a:off x="9430493" y="4397394"/>
+            <a:ext cx="1732314" cy="307777"/>
+          </a:xfrm>
+          <a:prstGeom prst="rect">
+            <a:avLst/>
+          </a:prstGeom>
+          <a:noFill/>
+        </p:spPr>
+        <p:txBody>
+          <a:bodyPr wrap="square" rtlCol="0">
+            <a:spAutoFit/>
+          </a:bodyPr>
+          <a:lstStyle/>
+          <a:p>
+            <a:pPr algn="ctr"/>
+            <a:r>
+              <a:rPr lang="ko-KR" altLang="en-US" sz="1400" smtClean="0"/>
+              <a:t>결제하기</a:t>
+            </a:r>
+            <a:endParaRPr lang="en-US" altLang="ko-KR" sz="1400" dirty="0" smtClean="0"/>
+          </a:p>
+        </p:txBody>
+      </p:sp>
+      <p:sp>
+        <p:nvSpPr>
+          <p:cNvPr id="31" name="TextBox 30"/>
+          <p:cNvSpPr txBox="1"/>
+          <p:nvPr/>
+        </p:nvSpPr>
+        <p:spPr>
+          <a:xfrm>
+            <a:off x="4023351" y="337496"/>
+            <a:ext cx="2261079" cy="307777"/>
+          </a:xfrm>
+          <a:prstGeom prst="rect">
+            <a:avLst/>
+          </a:prstGeom>
+          <a:noFill/>
+        </p:spPr>
+        <p:txBody>
+          <a:bodyPr wrap="square" rtlCol="0">
+            <a:spAutoFit/>
+          </a:bodyPr>
+          <a:lstStyle/>
+          <a:p>
+            <a:r>
+              <a:rPr lang="en-US" altLang="ko-KR" sz="1400" dirty="0" smtClean="0"/>
+              <a:t>Search</a:t>
+            </a:r>
+            <a:endParaRPr lang="ko-KR" altLang="en-US" sz="1400" dirty="0"/>
+          </a:p>
+        </p:txBody>
+      </p:sp>
+      <p:sp>
+        <p:nvSpPr>
+          <p:cNvPr id="34" name="모서리가 둥근 직사각형 33"/>
+          <p:cNvSpPr/>
+          <p:nvPr/>
+        </p:nvSpPr>
+        <p:spPr>
+          <a:xfrm>
+            <a:off x="10541958" y="188222"/>
+            <a:ext cx="1394010" cy="586344"/>
+          </a:xfrm>
+          <a:prstGeom prst="roundRect">
+            <a:avLst/>
+          </a:prstGeom>
+        </p:spPr>
+        <p:style>
+          <a:lnRef idx="2">
+            <a:schemeClr val="accent1">
+              <a:shade val="50000"/>
+            </a:schemeClr>
+          </a:lnRef>
+          <a:fillRef idx="1">
+            <a:schemeClr val="accent1"/>
+          </a:fillRef>
+          <a:effectRef idx="0">
+            <a:schemeClr val="accent1"/>
+          </a:effectRef>
+          <a:fontRef idx="minor">
+            <a:schemeClr val="lt1"/>
+          </a:fontRef>
+        </p:style>
+        <p:txBody>
+          <a:bodyPr rtlCol="0" anchor="ctr"/>
+          <a:lstStyle/>
+          <a:p>
+            <a:pPr algn="ctr"/>
+            <a:endParaRPr lang="ko-KR" altLang="en-US"/>
+          </a:p>
+        </p:txBody>
+      </p:sp>
+      <p:sp>
+        <p:nvSpPr>
+          <p:cNvPr id="35" name="TextBox 34"/>
+          <p:cNvSpPr txBox="1"/>
+          <p:nvPr/>
+        </p:nvSpPr>
+        <p:spPr>
+          <a:xfrm>
+            <a:off x="10377366" y="295686"/>
+            <a:ext cx="1723194" cy="369332"/>
+          </a:xfrm>
+          <a:prstGeom prst="rect">
+            <a:avLst/>
+          </a:prstGeom>
+          <a:noFill/>
+        </p:spPr>
+        <p:txBody>
+          <a:bodyPr wrap="square" rtlCol="0">
+            <a:spAutoFit/>
+          </a:bodyPr>
+          <a:lstStyle/>
+          <a:p>
+            <a:pPr algn="ctr"/>
+            <a:r>
+              <a:rPr lang="en-US" altLang="ko-KR" dirty="0" smtClean="0"/>
+              <a:t>My Page</a:t>
+            </a:r>
+            <a:endParaRPr lang="ko-KR" altLang="en-US" dirty="0"/>
+          </a:p>
+        </p:txBody>
+      </p:sp>
     </p:spTree>
     <p:extLst>
       <p:ext uri="{BB962C8B-B14F-4D97-AF65-F5344CB8AC3E}">
-        <p14:creationId xmlns:p14="http://schemas.microsoft.com/office/powerpoint/2010/main" val="2057793198"/>
+        <p14:creationId xmlns:p14="http://schemas.microsoft.com/office/powerpoint/2010/main" val="739121585"/>
       </p:ext>
     </p:extLst>
   </p:cSld>
@@ -5867,6 +5803,358 @@
         </p:nvSpPr>
         <p:spPr>
           <a:xfrm>
+            <a:off x="3413760" y="2015097"/>
+            <a:ext cx="4864608" cy="536448"/>
+          </a:xfrm>
+          <a:prstGeom prst="roundRect">
+            <a:avLst/>
+          </a:prstGeom>
+        </p:spPr>
+        <p:style>
+          <a:lnRef idx="2">
+            <a:schemeClr val="accent1">
+              <a:shade val="50000"/>
+            </a:schemeClr>
+          </a:lnRef>
+          <a:fillRef idx="1">
+            <a:schemeClr val="accent1"/>
+          </a:fillRef>
+          <a:effectRef idx="0">
+            <a:schemeClr val="accent1"/>
+          </a:effectRef>
+          <a:fontRef idx="minor">
+            <a:schemeClr val="lt1"/>
+          </a:fontRef>
+        </p:style>
+        <p:txBody>
+          <a:bodyPr rtlCol="0" anchor="ctr"/>
+          <a:lstStyle/>
+          <a:p>
+            <a:pPr algn="ctr"/>
+            <a:endParaRPr lang="ko-KR" altLang="en-US"/>
+          </a:p>
+        </p:txBody>
+      </p:sp>
+      <p:sp>
+        <p:nvSpPr>
+          <p:cNvPr id="10" name="TextBox 9"/>
+          <p:cNvSpPr txBox="1"/>
+          <p:nvPr/>
+        </p:nvSpPr>
+        <p:spPr>
+          <a:xfrm>
+            <a:off x="3413760" y="1645765"/>
+            <a:ext cx="4528615" cy="369332"/>
+          </a:xfrm>
+          <a:prstGeom prst="rect">
+            <a:avLst/>
+          </a:prstGeom>
+          <a:noFill/>
+        </p:spPr>
+        <p:txBody>
+          <a:bodyPr wrap="square" rtlCol="0">
+            <a:spAutoFit/>
+          </a:bodyPr>
+          <a:lstStyle/>
+          <a:p>
+            <a:r>
+              <a:rPr lang="en-US" altLang="ko-KR" dirty="0" smtClean="0"/>
+              <a:t>ID</a:t>
+            </a:r>
+            <a:endParaRPr lang="ko-KR" altLang="en-US" dirty="0"/>
+          </a:p>
+        </p:txBody>
+      </p:sp>
+      <p:sp>
+        <p:nvSpPr>
+          <p:cNvPr id="11" name="모서리가 둥근 직사각형 10"/>
+          <p:cNvSpPr/>
+          <p:nvPr/>
+        </p:nvSpPr>
+        <p:spPr>
+          <a:xfrm>
+            <a:off x="3413760" y="3112377"/>
+            <a:ext cx="4864608" cy="536448"/>
+          </a:xfrm>
+          <a:prstGeom prst="roundRect">
+            <a:avLst/>
+          </a:prstGeom>
+        </p:spPr>
+        <p:style>
+          <a:lnRef idx="2">
+            <a:schemeClr val="accent1">
+              <a:shade val="50000"/>
+            </a:schemeClr>
+          </a:lnRef>
+          <a:fillRef idx="1">
+            <a:schemeClr val="accent1"/>
+          </a:fillRef>
+          <a:effectRef idx="0">
+            <a:schemeClr val="accent1"/>
+          </a:effectRef>
+          <a:fontRef idx="minor">
+            <a:schemeClr val="lt1"/>
+          </a:fontRef>
+        </p:style>
+        <p:txBody>
+          <a:bodyPr rtlCol="0" anchor="ctr"/>
+          <a:lstStyle/>
+          <a:p>
+            <a:pPr algn="ctr"/>
+            <a:endParaRPr lang="ko-KR" altLang="en-US"/>
+          </a:p>
+        </p:txBody>
+      </p:sp>
+      <p:sp>
+        <p:nvSpPr>
+          <p:cNvPr id="12" name="모서리가 둥근 직사각형 11"/>
+          <p:cNvSpPr/>
+          <p:nvPr/>
+        </p:nvSpPr>
+        <p:spPr>
+          <a:xfrm>
+            <a:off x="3413760" y="4072128"/>
+            <a:ext cx="1499616" cy="536448"/>
+          </a:xfrm>
+          <a:prstGeom prst="roundRect">
+            <a:avLst/>
+          </a:prstGeom>
+        </p:spPr>
+        <p:style>
+          <a:lnRef idx="2">
+            <a:schemeClr val="accent1">
+              <a:shade val="50000"/>
+            </a:schemeClr>
+          </a:lnRef>
+          <a:fillRef idx="1">
+            <a:schemeClr val="accent1"/>
+          </a:fillRef>
+          <a:effectRef idx="0">
+            <a:schemeClr val="accent1"/>
+          </a:effectRef>
+          <a:fontRef idx="minor">
+            <a:schemeClr val="lt1"/>
+          </a:fontRef>
+        </p:style>
+        <p:txBody>
+          <a:bodyPr rtlCol="0" anchor="ctr"/>
+          <a:lstStyle/>
+          <a:p>
+            <a:pPr algn="ctr"/>
+            <a:endParaRPr lang="ko-KR" altLang="en-US"/>
+          </a:p>
+        </p:txBody>
+      </p:sp>
+      <p:sp>
+        <p:nvSpPr>
+          <p:cNvPr id="13" name="TextBox 12"/>
+          <p:cNvSpPr txBox="1"/>
+          <p:nvPr/>
+        </p:nvSpPr>
+        <p:spPr>
+          <a:xfrm>
+            <a:off x="3413760" y="2647295"/>
+            <a:ext cx="4528615" cy="369332"/>
+          </a:xfrm>
+          <a:prstGeom prst="rect">
+            <a:avLst/>
+          </a:prstGeom>
+          <a:noFill/>
+        </p:spPr>
+        <p:txBody>
+          <a:bodyPr wrap="square" rtlCol="0">
+            <a:spAutoFit/>
+          </a:bodyPr>
+          <a:lstStyle/>
+          <a:p>
+            <a:r>
+              <a:rPr lang="en-US" altLang="ko-KR" dirty="0" smtClean="0"/>
+              <a:t>PASSWORD</a:t>
+            </a:r>
+            <a:endParaRPr lang="ko-KR" altLang="en-US" dirty="0"/>
+          </a:p>
+        </p:txBody>
+      </p:sp>
+      <p:sp>
+        <p:nvSpPr>
+          <p:cNvPr id="14" name="TextBox 13"/>
+          <p:cNvSpPr txBox="1"/>
+          <p:nvPr/>
+        </p:nvSpPr>
+        <p:spPr>
+          <a:xfrm>
+            <a:off x="3413760" y="4155686"/>
+            <a:ext cx="4528615" cy="369332"/>
+          </a:xfrm>
+          <a:prstGeom prst="rect">
+            <a:avLst/>
+          </a:prstGeom>
+          <a:noFill/>
+        </p:spPr>
+        <p:txBody>
+          <a:bodyPr wrap="square" rtlCol="0">
+            <a:spAutoFit/>
+          </a:bodyPr>
+          <a:lstStyle/>
+          <a:p>
+            <a:r>
+              <a:rPr lang="en-US" altLang="ko-KR" dirty="0" smtClean="0"/>
+              <a:t>Sign up now</a:t>
+            </a:r>
+            <a:endParaRPr lang="ko-KR" altLang="en-US" dirty="0"/>
+          </a:p>
+        </p:txBody>
+      </p:sp>
+      <p:sp>
+        <p:nvSpPr>
+          <p:cNvPr id="15" name="모서리가 둥근 직사각형 14"/>
+          <p:cNvSpPr/>
+          <p:nvPr/>
+        </p:nvSpPr>
+        <p:spPr>
+          <a:xfrm>
+            <a:off x="1914144" y="841248"/>
+            <a:ext cx="7827264" cy="4486656"/>
+          </a:xfrm>
+          <a:prstGeom prst="roundRect">
+            <a:avLst/>
+          </a:prstGeom>
+          <a:noFill/>
+        </p:spPr>
+        <p:style>
+          <a:lnRef idx="2">
+            <a:schemeClr val="accent1">
+              <a:shade val="50000"/>
+            </a:schemeClr>
+          </a:lnRef>
+          <a:fillRef idx="1">
+            <a:schemeClr val="accent1"/>
+          </a:fillRef>
+          <a:effectRef idx="0">
+            <a:schemeClr val="accent1"/>
+          </a:effectRef>
+          <a:fontRef idx="minor">
+            <a:schemeClr val="lt1"/>
+          </a:fontRef>
+        </p:style>
+        <p:txBody>
+          <a:bodyPr rtlCol="0" anchor="ctr"/>
+          <a:lstStyle/>
+          <a:p>
+            <a:pPr algn="ctr"/>
+            <a:endParaRPr lang="ko-KR" altLang="en-US"/>
+          </a:p>
+        </p:txBody>
+      </p:sp>
+    </p:spTree>
+    <p:extLst>
+      <p:ext uri="{BB962C8B-B14F-4D97-AF65-F5344CB8AC3E}">
+        <p14:creationId xmlns:p14="http://schemas.microsoft.com/office/powerpoint/2010/main" val="2057793198"/>
+      </p:ext>
+    </p:extLst>
+  </p:cSld>
+  <p:clrMapOvr>
+    <a:masterClrMapping/>
+  </p:clrMapOvr>
+</p:sld>
+</file>
+
+<file path=ppt/slides/slide6.xml><?xml version="1.0" encoding="utf-8"?>
+<p:sld xmlns:a="http://schemas.openxmlformats.org/drawingml/2006/main" xmlns:r="http://schemas.openxmlformats.org/officeDocument/2006/relationships" xmlns:p="http://schemas.openxmlformats.org/presentationml/2006/main">
+  <p:cSld>
+    <p:spTree>
+      <p:nvGrpSpPr>
+        <p:cNvPr id="1" name=""/>
+        <p:cNvGrpSpPr/>
+        <p:nvPr/>
+      </p:nvGrpSpPr>
+      <p:grpSpPr>
+        <a:xfrm>
+          <a:off x="0" y="0"/>
+          <a:ext cx="0" cy="0"/>
+          <a:chOff x="0" y="0"/>
+          <a:chExt cx="0" cy="0"/>
+        </a:xfrm>
+      </p:grpSpPr>
+      <p:sp>
+        <p:nvSpPr>
+          <p:cNvPr id="4" name="모서리가 둥근 직사각형 3"/>
+          <p:cNvSpPr/>
+          <p:nvPr/>
+        </p:nvSpPr>
+        <p:spPr>
+          <a:xfrm>
+            <a:off x="178130" y="130631"/>
+            <a:ext cx="1448790" cy="600302"/>
+          </a:xfrm>
+          <a:prstGeom prst="roundRect">
+            <a:avLst/>
+          </a:prstGeom>
+        </p:spPr>
+        <p:style>
+          <a:lnRef idx="2">
+            <a:schemeClr val="accent1">
+              <a:shade val="50000"/>
+            </a:schemeClr>
+          </a:lnRef>
+          <a:fillRef idx="1">
+            <a:schemeClr val="accent1"/>
+          </a:fillRef>
+          <a:effectRef idx="0">
+            <a:schemeClr val="accent1"/>
+          </a:effectRef>
+          <a:fontRef idx="minor">
+            <a:schemeClr val="lt1"/>
+          </a:fontRef>
+        </p:style>
+        <p:txBody>
+          <a:bodyPr rtlCol="0" anchor="ctr"/>
+          <a:lstStyle/>
+          <a:p>
+            <a:pPr algn="ctr"/>
+            <a:endParaRPr lang="ko-KR" altLang="en-US"/>
+          </a:p>
+        </p:txBody>
+      </p:sp>
+      <p:sp>
+        <p:nvSpPr>
+          <p:cNvPr id="5" name="TextBox 4"/>
+          <p:cNvSpPr txBox="1"/>
+          <p:nvPr/>
+        </p:nvSpPr>
+        <p:spPr>
+          <a:xfrm>
+            <a:off x="391886" y="246116"/>
+            <a:ext cx="1021278" cy="369332"/>
+          </a:xfrm>
+          <a:prstGeom prst="rect">
+            <a:avLst/>
+          </a:prstGeom>
+          <a:noFill/>
+        </p:spPr>
+        <p:txBody>
+          <a:bodyPr wrap="square" rtlCol="0">
+            <a:spAutoFit/>
+          </a:bodyPr>
+          <a:lstStyle/>
+          <a:p>
+            <a:pPr algn="ctr"/>
+            <a:r>
+              <a:rPr lang="en-US" altLang="ko-KR" dirty="0" smtClean="0"/>
+              <a:t>LOGO</a:t>
+            </a:r>
+            <a:endParaRPr lang="ko-KR" altLang="en-US" dirty="0"/>
+          </a:p>
+        </p:txBody>
+      </p:sp>
+      <p:sp>
+        <p:nvSpPr>
+          <p:cNvPr id="6" name="모서리가 둥근 직사각형 5"/>
+          <p:cNvSpPr/>
+          <p:nvPr/>
+        </p:nvSpPr>
+        <p:spPr>
+          <a:xfrm>
             <a:off x="3413760" y="1405497"/>
             <a:ext cx="4864608" cy="536448"/>
           </a:xfrm>
@@ -6264,7 +6552,7 @@
 </p:sld>
 </file>
 
-<file path=ppt/slides/slide6.xml><?xml version="1.0" encoding="utf-8"?>
+<file path=ppt/slides/slide7.xml><?xml version="1.0" encoding="utf-8"?>
 <p:sld xmlns:a="http://schemas.openxmlformats.org/drawingml/2006/main" xmlns:r="http://schemas.openxmlformats.org/officeDocument/2006/relationships" xmlns:p="http://schemas.openxmlformats.org/presentationml/2006/main">
   <p:cSld>
     <p:spTree>

--- a/프레젠테이션1.pptx
+++ b/프레젠테이션1.pptx
@@ -12,6 +12,7 @@
     <p:sldId id="259" r:id="rId6"/>
     <p:sldId id="260" r:id="rId7"/>
     <p:sldId id="261" r:id="rId8"/>
+    <p:sldId id="263" r:id="rId9"/>
   </p:sldIdLst>
   <p:sldSz cx="12192000" cy="6858000"/>
   <p:notesSz cx="6858000" cy="9144000"/>
@@ -7189,6 +7190,73 @@
 </p:sld>
 </file>
 
+<file path=ppt/slides/slide8.xml><?xml version="1.0" encoding="utf-8"?>
+<p:sld xmlns:a="http://schemas.openxmlformats.org/drawingml/2006/main" xmlns:r="http://schemas.openxmlformats.org/officeDocument/2006/relationships" xmlns:p="http://schemas.openxmlformats.org/presentationml/2006/main">
+  <p:cSld>
+    <p:spTree>
+      <p:nvGrpSpPr>
+        <p:cNvPr id="1" name=""/>
+        <p:cNvGrpSpPr/>
+        <p:nvPr/>
+      </p:nvGrpSpPr>
+      <p:grpSpPr>
+        <a:xfrm>
+          <a:off x="0" y="0"/>
+          <a:ext cx="0" cy="0"/>
+          <a:chOff x="0" y="0"/>
+          <a:chExt cx="0" cy="0"/>
+        </a:xfrm>
+      </p:grpSpPr>
+      <p:sp>
+        <p:nvSpPr>
+          <p:cNvPr id="4" name="TextBox 3"/>
+          <p:cNvSpPr txBox="1"/>
+          <p:nvPr/>
+        </p:nvSpPr>
+        <p:spPr>
+          <a:xfrm>
+            <a:off x="3779520" y="2462784"/>
+            <a:ext cx="4742688" cy="646331"/>
+          </a:xfrm>
+          <a:prstGeom prst="rect">
+            <a:avLst/>
+          </a:prstGeom>
+          <a:noFill/>
+        </p:spPr>
+        <p:txBody>
+          <a:bodyPr wrap="square" rtlCol="0">
+            <a:spAutoFit/>
+          </a:bodyPr>
+          <a:lstStyle/>
+          <a:p>
+            <a:pPr algn="ctr"/>
+            <a:r>
+              <a:rPr lang="en-US" altLang="ko-KR" sz="3600" b="1" dirty="0" smtClean="0">
+                <a:latin typeface="HY신명조" panose="02030600000101010101" pitchFamily="18" charset="-127"/>
+                <a:ea typeface="HY신명조" panose="02030600000101010101" pitchFamily="18" charset="-127"/>
+              </a:rPr>
+              <a:t>LOGO</a:t>
+            </a:r>
+            <a:endParaRPr lang="ko-KR" altLang="en-US" sz="3600" b="1" dirty="0">
+              <a:latin typeface="HY신명조" panose="02030600000101010101" pitchFamily="18" charset="-127"/>
+              <a:ea typeface="HY신명조" panose="02030600000101010101" pitchFamily="18" charset="-127"/>
+            </a:endParaRPr>
+          </a:p>
+        </p:txBody>
+      </p:sp>
+    </p:spTree>
+    <p:extLst>
+      <p:ext uri="{BB962C8B-B14F-4D97-AF65-F5344CB8AC3E}">
+        <p14:creationId xmlns:p14="http://schemas.microsoft.com/office/powerpoint/2010/main" val="900704445"/>
+      </p:ext>
+    </p:extLst>
+  </p:cSld>
+  <p:clrMapOvr>
+    <a:masterClrMapping/>
+  </p:clrMapOvr>
+</p:sld>
+</file>
+
 <file path=ppt/theme/theme1.xml><?xml version="1.0" encoding="utf-8"?>
 <a:theme xmlns:a="http://schemas.openxmlformats.org/drawingml/2006/main" name="Office 테마">
   <a:themeElements>
